--- a/ISMBECCB2023_1226_Fragkouli_poster.pptx
+++ b/ISMBECCB2023_1226_Fragkouli_poster.pptx
@@ -121,7 +121,7 @@
       </p14:sectionLst>
     </p:ext>
     <p:ext uri="{EFAFB233-063F-42B5-8137-9DF3F51BA10A}">
-      <p15:sldGuideLst xmlns:p15="http://schemas.microsoft.com/office/powerpoint/2012/main">
+      <p15:sldGuideLst xmlns:p15="http://schemas.microsoft.com/office/powerpoint/2012/main" xmlns="">
         <p15:guide id="1" orient="horz" pos="13527" userDrawn="1">
           <p15:clr>
             <a:srgbClr val="A4A3A4"/>
@@ -135,7 +135,7 @@
       </p15:sldGuideLst>
     </p:ext>
     <p:ext uri="{2D200454-40CA-4A62-9FC3-DE9A4176ACB9}">
-      <p15:notesGuideLst xmlns:p15="http://schemas.microsoft.com/office/powerpoint/2012/main"/>
+      <p15:notesGuideLst xmlns:p15="http://schemas.microsoft.com/office/powerpoint/2012/main" xmlns=""/>
     </p:ext>
   </p:extLst>
 </p:presentation>
@@ -146,7 +146,7 @@
   <p:cmAuthor id="1" name="Nikolas Pechlivanis" initials="NP" lastIdx="2" clrIdx="0">
     <p:extLst>
       <p:ext uri="{19B8F6BF-5375-455C-9EA6-DF929625EA0E}">
-        <p15:presenceInfo xmlns:p15="http://schemas.microsoft.com/office/powerpoint/2012/main" userId="6a711ebda6d3dccd" providerId="Windows Live"/>
+        <p15:presenceInfo xmlns:p15="http://schemas.microsoft.com/office/powerpoint/2012/main" xmlns="" userId="6a711ebda6d3dccd" providerId="Windows Live"/>
       </p:ext>
     </p:extLst>
   </p:cmAuthor>
@@ -235,7 +235,7 @@
           <a:p>
             <a:fld id="{A2C17C0E-7EDB-4075-A298-E3ED005F4C7C}" type="datetimeFigureOut">
               <a:rPr lang="el-GR" smtClean="0"/>
-              <a:t>4/7/2023</a:t>
+              <a:t>5/7/2023</a:t>
             </a:fld>
             <a:endParaRPr lang="el-GR"/>
           </a:p>
@@ -400,7 +400,7 @@
           <a:p>
             <a:fld id="{5F4FDF9D-009C-4A66-9571-998C56D03408}" type="datetimeFigureOut">
               <a:rPr lang="en-US" smtClean="0"/>
-              <a:t>7/4/2023</a:t>
+              <a:t>05-Jul-23</a:t>
             </a:fld>
             <a:endParaRPr lang="en-US"/>
           </a:p>
@@ -882,7 +882,7 @@
           <a:p>
             <a:fld id="{7AB69131-528E-47CA-9221-AD941DD4DEED}" type="datetimeFigureOut">
               <a:rPr lang="en-US" smtClean="0"/>
-              <a:t>7/4/2023</a:t>
+              <a:t>05-Jul-23</a:t>
             </a:fld>
             <a:endParaRPr lang="en-US"/>
           </a:p>
@@ -1052,7 +1052,7 @@
           <a:p>
             <a:fld id="{7AB69131-528E-47CA-9221-AD941DD4DEED}" type="datetimeFigureOut">
               <a:rPr lang="en-US" smtClean="0"/>
-              <a:t>7/4/2023</a:t>
+              <a:t>05-Jul-23</a:t>
             </a:fld>
             <a:endParaRPr lang="en-US"/>
           </a:p>
@@ -1232,7 +1232,7 @@
           <a:p>
             <a:fld id="{7AB69131-528E-47CA-9221-AD941DD4DEED}" type="datetimeFigureOut">
               <a:rPr lang="en-US" smtClean="0"/>
-              <a:t>7/4/2023</a:t>
+              <a:t>05-Jul-23</a:t>
             </a:fld>
             <a:endParaRPr lang="en-US"/>
           </a:p>
@@ -1402,7 +1402,7 @@
           <a:p>
             <a:fld id="{7AB69131-528E-47CA-9221-AD941DD4DEED}" type="datetimeFigureOut">
               <a:rPr lang="en-US" smtClean="0"/>
-              <a:t>7/4/2023</a:t>
+              <a:t>05-Jul-23</a:t>
             </a:fld>
             <a:endParaRPr lang="en-US"/>
           </a:p>
@@ -1646,7 +1646,7 @@
           <a:p>
             <a:fld id="{7AB69131-528E-47CA-9221-AD941DD4DEED}" type="datetimeFigureOut">
               <a:rPr lang="en-US" smtClean="0"/>
-              <a:t>7/4/2023</a:t>
+              <a:t>05-Jul-23</a:t>
             </a:fld>
             <a:endParaRPr lang="en-US"/>
           </a:p>
@@ -1878,7 +1878,7 @@
           <a:p>
             <a:fld id="{7AB69131-528E-47CA-9221-AD941DD4DEED}" type="datetimeFigureOut">
               <a:rPr lang="en-US" smtClean="0"/>
-              <a:t>7/4/2023</a:t>
+              <a:t>05-Jul-23</a:t>
             </a:fld>
             <a:endParaRPr lang="en-US"/>
           </a:p>
@@ -2245,7 +2245,7 @@
           <a:p>
             <a:fld id="{7AB69131-528E-47CA-9221-AD941DD4DEED}" type="datetimeFigureOut">
               <a:rPr lang="en-US" smtClean="0"/>
-              <a:t>7/4/2023</a:t>
+              <a:t>05-Jul-23</a:t>
             </a:fld>
             <a:endParaRPr lang="en-US"/>
           </a:p>
@@ -2363,7 +2363,7 @@
           <a:p>
             <a:fld id="{7AB69131-528E-47CA-9221-AD941DD4DEED}" type="datetimeFigureOut">
               <a:rPr lang="en-US" smtClean="0"/>
-              <a:t>7/4/2023</a:t>
+              <a:t>05-Jul-23</a:t>
             </a:fld>
             <a:endParaRPr lang="en-US"/>
           </a:p>
@@ -2458,7 +2458,7 @@
           <a:p>
             <a:fld id="{7AB69131-528E-47CA-9221-AD941DD4DEED}" type="datetimeFigureOut">
               <a:rPr lang="en-US" smtClean="0"/>
-              <a:t>7/4/2023</a:t>
+              <a:t>05-Jul-23</a:t>
             </a:fld>
             <a:endParaRPr lang="en-US"/>
           </a:p>
@@ -2735,7 +2735,7 @@
           <a:p>
             <a:fld id="{7AB69131-528E-47CA-9221-AD941DD4DEED}" type="datetimeFigureOut">
               <a:rPr lang="en-US" smtClean="0"/>
-              <a:t>7/4/2023</a:t>
+              <a:t>05-Jul-23</a:t>
             </a:fld>
             <a:endParaRPr lang="en-US"/>
           </a:p>
@@ -2992,7 +2992,7 @@
           <a:p>
             <a:fld id="{7AB69131-528E-47CA-9221-AD941DD4DEED}" type="datetimeFigureOut">
               <a:rPr lang="en-US" smtClean="0"/>
-              <a:t>7/4/2023</a:t>
+              <a:t>05-Jul-23</a:t>
             </a:fld>
             <a:endParaRPr lang="en-US"/>
           </a:p>
@@ -3205,7 +3205,7 @@
           <a:p>
             <a:fld id="{7AB69131-528E-47CA-9221-AD941DD4DEED}" type="datetimeFigureOut">
               <a:rPr lang="en-US" smtClean="0"/>
-              <a:t>7/4/2023</a:t>
+              <a:t>05-Jul-23</a:t>
             </a:fld>
             <a:endParaRPr lang="en-US"/>
           </a:p>
@@ -3671,7 +3671,7 @@
           <p:cNvPr id="19" name="Group 18">
             <a:extLst>
               <a:ext uri="{FF2B5EF4-FFF2-40B4-BE49-F238E27FC236}">
-                <a16:creationId xmlns:a16="http://schemas.microsoft.com/office/drawing/2014/main" id="{F8C316FC-537E-4D77-AF68-159099DDD169}"/>
+                <a16:creationId xmlns:a16="http://schemas.microsoft.com/office/drawing/2014/main" xmlns="" id="{F8C316FC-537E-4D77-AF68-159099DDD169}"/>
               </a:ext>
             </a:extLst>
           </p:cNvPr>
@@ -3691,7 +3691,7 @@
             <p:cNvPr id="28" name="TextBox 27">
               <a:extLst>
                 <a:ext uri="{FF2B5EF4-FFF2-40B4-BE49-F238E27FC236}">
-                  <a16:creationId xmlns:a16="http://schemas.microsoft.com/office/drawing/2014/main" id="{C27040AE-E103-4BF4-8BEF-45480ADB9322}"/>
+                  <a16:creationId xmlns:a16="http://schemas.microsoft.com/office/drawing/2014/main" xmlns="" id="{C27040AE-E103-4BF4-8BEF-45480ADB9322}"/>
                 </a:ext>
               </a:extLst>
             </p:cNvPr>
@@ -3734,7 +3734,7 @@
             <p:cNvPr id="25" name="TextBox 24">
               <a:extLst>
                 <a:ext uri="{FF2B5EF4-FFF2-40B4-BE49-F238E27FC236}">
-                  <a16:creationId xmlns:a16="http://schemas.microsoft.com/office/drawing/2014/main" id="{E5A69EE5-15A0-2A11-E4AE-D7C1E4D11FFB}"/>
+                  <a16:creationId xmlns:a16="http://schemas.microsoft.com/office/drawing/2014/main" xmlns="" id="{E5A69EE5-15A0-2A11-E4AE-D7C1E4D11FFB}"/>
                 </a:ext>
               </a:extLst>
             </p:cNvPr>
@@ -3770,7 +3770,7 @@
             <p:cNvPr id="26" name="TextBox 25">
               <a:extLst>
                 <a:ext uri="{FF2B5EF4-FFF2-40B4-BE49-F238E27FC236}">
-                  <a16:creationId xmlns:a16="http://schemas.microsoft.com/office/drawing/2014/main" id="{4848FB5C-3E3F-503C-5232-E2FD5494C54A}"/>
+                  <a16:creationId xmlns:a16="http://schemas.microsoft.com/office/drawing/2014/main" xmlns="" id="{4848FB5C-3E3F-503C-5232-E2FD5494C54A}"/>
                 </a:ext>
               </a:extLst>
             </p:cNvPr>
@@ -3809,7 +3809,7 @@
           <p:cNvPr id="33" name="Rectangle 32">
             <a:extLst>
               <a:ext uri="{FF2B5EF4-FFF2-40B4-BE49-F238E27FC236}">
-                <a16:creationId xmlns:a16="http://schemas.microsoft.com/office/drawing/2014/main" id="{C246D524-104D-48D9-83A2-433E67F0CA6B}"/>
+                <a16:creationId xmlns:a16="http://schemas.microsoft.com/office/drawing/2014/main" xmlns="" id="{C246D524-104D-48D9-83A2-433E67F0CA6B}"/>
               </a:ext>
             </a:extLst>
           </p:cNvPr>
@@ -3866,7 +3866,7 @@
           <p:cNvPr id="43" name="Rectangle 42">
             <a:extLst>
               <a:ext uri="{FF2B5EF4-FFF2-40B4-BE49-F238E27FC236}">
-                <a16:creationId xmlns:a16="http://schemas.microsoft.com/office/drawing/2014/main" id="{18C20CFF-4BD1-40F4-BFBD-6135A421D18B}"/>
+                <a16:creationId xmlns:a16="http://schemas.microsoft.com/office/drawing/2014/main" xmlns="" id="{18C20CFF-4BD1-40F4-BFBD-6135A421D18B}"/>
               </a:ext>
             </a:extLst>
           </p:cNvPr>
@@ -3907,7 +3907,7 @@
           <p:cNvPr id="40" name="Rectangle 39">
             <a:extLst>
               <a:ext uri="{FF2B5EF4-FFF2-40B4-BE49-F238E27FC236}">
-                <a16:creationId xmlns:a16="http://schemas.microsoft.com/office/drawing/2014/main" id="{18C20CFF-4BD1-40F4-BFBD-6135A421D18B}"/>
+                <a16:creationId xmlns:a16="http://schemas.microsoft.com/office/drawing/2014/main" xmlns="" id="{18C20CFF-4BD1-40F4-BFBD-6135A421D18B}"/>
               </a:ext>
             </a:extLst>
           </p:cNvPr>
@@ -4284,7 +4284,7 @@
             <p:cNvPr id="50" name="Rectangle 49">
               <a:extLst>
                 <a:ext uri="{FF2B5EF4-FFF2-40B4-BE49-F238E27FC236}">
-                  <a16:creationId xmlns:a16="http://schemas.microsoft.com/office/drawing/2014/main" id="{18C20CFF-4BD1-40F4-BFBD-6135A421D18B}"/>
+                  <a16:creationId xmlns:a16="http://schemas.microsoft.com/office/drawing/2014/main" xmlns="" id="{18C20CFF-4BD1-40F4-BFBD-6135A421D18B}"/>
                 </a:ext>
               </a:extLst>
             </p:cNvPr>
@@ -4390,7 +4390,7 @@
             <p:cNvPr id="84" name="Rectangle 83">
               <a:extLst>
                 <a:ext uri="{FF2B5EF4-FFF2-40B4-BE49-F238E27FC236}">
-                  <a16:creationId xmlns:a16="http://schemas.microsoft.com/office/drawing/2014/main" id="{18C20CFF-4BD1-40F4-BFBD-6135A421D18B}"/>
+                  <a16:creationId xmlns:a16="http://schemas.microsoft.com/office/drawing/2014/main" xmlns="" id="{18C20CFF-4BD1-40F4-BFBD-6135A421D18B}"/>
                 </a:ext>
               </a:extLst>
             </p:cNvPr>
@@ -4457,37 +4457,7 @@
                   <a:latin typeface="Arial" panose="020B0604020202020204" pitchFamily="34" charset="0"/>
                   <a:cs typeface="Arial" panose="020B0604020202020204" pitchFamily="34" charset="0"/>
                 </a:rPr>
-                <a:t>“Gold Standard” </a:t>
-              </a:r>
-              <a:r>
-                <a:rPr lang="en-US" sz="4000" b="1" dirty="0" smtClean="0">
-                  <a:solidFill>
-                    <a:srgbClr val="224E59"/>
-                  </a:solidFill>
-                  <a:latin typeface="Arial" panose="020B0604020202020204" pitchFamily="34" charset="0"/>
-                  <a:cs typeface="Arial" panose="020B0604020202020204" pitchFamily="34" charset="0"/>
-                </a:rPr>
-                <a:t>Variants</a:t>
-              </a:r>
-              <a:r>
-                <a:rPr lang="en-US" sz="4000" b="1" dirty="0" smtClean="0">
-                  <a:solidFill>
-                    <a:srgbClr val="224E59"/>
-                  </a:solidFill>
-                  <a:latin typeface="Arial" panose="020B0604020202020204" pitchFamily="34" charset="0"/>
-                  <a:cs typeface="Arial" panose="020B0604020202020204" pitchFamily="34" charset="0"/>
-                </a:rPr>
-                <a:t> </a:t>
-              </a:r>
-              <a:r>
-                <a:rPr lang="en-US" sz="4000" b="1" dirty="0" smtClean="0">
-                  <a:solidFill>
-                    <a:srgbClr val="224E59"/>
-                  </a:solidFill>
-                  <a:latin typeface="Arial" panose="020B0604020202020204" pitchFamily="34" charset="0"/>
-                  <a:cs typeface="Arial" panose="020B0604020202020204" pitchFamily="34" charset="0"/>
-                </a:rPr>
-                <a:t>of</a:t>
+                <a:t>“Gold Standard” Variants of</a:t>
               </a:r>
             </a:p>
             <a:p>
@@ -4565,7 +4535,7 @@
             <p:cNvPr id="96" name="Rectangle 95">
               <a:extLst>
                 <a:ext uri="{FF2B5EF4-FFF2-40B4-BE49-F238E27FC236}">
-                  <a16:creationId xmlns:a16="http://schemas.microsoft.com/office/drawing/2014/main" id="{18C20CFF-4BD1-40F4-BFBD-6135A421D18B}"/>
+                  <a16:creationId xmlns:a16="http://schemas.microsoft.com/office/drawing/2014/main" xmlns="" id="{18C20CFF-4BD1-40F4-BFBD-6135A421D18B}"/>
                 </a:ext>
               </a:extLst>
             </p:cNvPr>
@@ -4709,7 +4679,7 @@
                 <p:nvPr/>
               </p:nvPicPr>
               <p:blipFill>
-                <a:blip r:embed="rId5">
+                <a:blip r:embed="rId5" cstate="print">
                   <a:extLst>
                     <a:ext uri="{28A0092B-C50C-407E-A947-70E740481C1C}">
                       <a14:useLocalDpi xmlns:a14="http://schemas.microsoft.com/office/drawing/2010/main" val="0"/>
@@ -4866,7 +4836,7 @@
               <p:cNvPr id="92" name="Rectangle 91">
                 <a:extLst>
                   <a:ext uri="{FF2B5EF4-FFF2-40B4-BE49-F238E27FC236}">
-                    <a16:creationId xmlns:a16="http://schemas.microsoft.com/office/drawing/2014/main" id="{18C20CFF-4BD1-40F4-BFBD-6135A421D18B}"/>
+                    <a16:creationId xmlns:a16="http://schemas.microsoft.com/office/drawing/2014/main" xmlns="" id="{18C20CFF-4BD1-40F4-BFBD-6135A421D18B}"/>
                   </a:ext>
                 </a:extLst>
               </p:cNvPr>
@@ -5002,9 +4972,9 @@
         </p:nvGrpSpPr>
         <p:grpSpPr>
           <a:xfrm>
-            <a:off x="600" y="40762142"/>
+            <a:off x="600" y="40699078"/>
             <a:ext cx="30274012" cy="2351799"/>
-            <a:chOff x="600" y="40762142"/>
+            <a:chOff x="600" y="40699078"/>
             <a:chExt cx="30274012" cy="2351799"/>
           </a:xfrm>
         </p:grpSpPr>
@@ -5013,7 +4983,7 @@
             <p:cNvPr id="4" name="Rectangle 3">
               <a:extLst>
                 <a:ext uri="{FF2B5EF4-FFF2-40B4-BE49-F238E27FC236}">
-                  <a16:creationId xmlns:a16="http://schemas.microsoft.com/office/drawing/2014/main" id="{C246D524-104D-48D9-83A2-433E67F0CA6B}"/>
+                  <a16:creationId xmlns:a16="http://schemas.microsoft.com/office/drawing/2014/main" xmlns="" id="{C246D524-104D-48D9-83A2-433E67F0CA6B}"/>
                 </a:ext>
               </a:extLst>
             </p:cNvPr>
@@ -5070,7 +5040,7 @@
             <p:cNvPr id="37" name="Picture 36">
               <a:extLst>
                 <a:ext uri="{FF2B5EF4-FFF2-40B4-BE49-F238E27FC236}">
-                  <a16:creationId xmlns:a16="http://schemas.microsoft.com/office/drawing/2014/main" id="{82C164FB-8E53-48DB-B177-69EC6445529D}"/>
+                  <a16:creationId xmlns:a16="http://schemas.microsoft.com/office/drawing/2014/main" xmlns="" id="{82C164FB-8E53-48DB-B177-69EC6445529D}"/>
                 </a:ext>
               </a:extLst>
             </p:cNvPr>
@@ -5080,13 +5050,13 @@
             <p:nvPr/>
           </p:nvPicPr>
           <p:blipFill rotWithShape="1">
-            <a:blip r:embed="rId6">
+            <a:blip r:embed="rId6" cstate="print">
               <a:extLst>
                 <a:ext uri="{28A0092B-C50C-407E-A947-70E740481C1C}">
                   <a14:useLocalDpi xmlns:a14="http://schemas.microsoft.com/office/drawing/2010/main" val="0"/>
                 </a:ext>
                 <a:ext uri="{96DAC541-7B7A-43D3-8B79-37D633B846F1}">
-                  <asvg:svgBlip xmlns:asvg="http://schemas.microsoft.com/office/drawing/2016/SVG/main" xmlns="" r:embed="rId12"/>
+                  <asvg:svgBlip xmlns="" xmlns:asvg="http://schemas.microsoft.com/office/drawing/2016/SVG/main" r:embed="rId12"/>
                 </a:ext>
               </a:extLst>
             </a:blip>
@@ -5095,7 +5065,7 @@
           </p:blipFill>
           <p:spPr>
             <a:xfrm>
-              <a:off x="571430" y="41048671"/>
+              <a:off x="82684" y="41048671"/>
               <a:ext cx="3214269" cy="1717549"/>
             </a:xfrm>
             <a:prstGeom prst="rect">
@@ -5108,7 +5078,7 @@
             <p:cNvPr id="22" name="Picture 21">
               <a:extLst>
                 <a:ext uri="{FF2B5EF4-FFF2-40B4-BE49-F238E27FC236}">
-                  <a16:creationId xmlns:a16="http://schemas.microsoft.com/office/drawing/2014/main" id="{543CBAB0-8072-4F48-A10B-8E146AEADDBA}"/>
+                  <a16:creationId xmlns:a16="http://schemas.microsoft.com/office/drawing/2014/main" xmlns="" id="{543CBAB0-8072-4F48-A10B-8E146AEADDBA}"/>
                 </a:ext>
               </a:extLst>
             </p:cNvPr>
@@ -5118,7 +5088,7 @@
             <p:nvPr/>
           </p:nvPicPr>
           <p:blipFill rotWithShape="1">
-            <a:blip r:embed="rId13">
+            <a:blip r:embed="rId13" cstate="print">
               <a:biLevel thresh="25000"/>
               <a:extLst>
                 <a:ext uri="{BEBA8EAE-BF5A-486C-A8C5-ECC9F3942E4B}">
@@ -5143,7 +5113,7 @@
           </p:blipFill>
           <p:spPr>
             <a:xfrm>
-              <a:off x="4643074" y="41066967"/>
+              <a:off x="3287198" y="41066967"/>
               <a:ext cx="5603879" cy="1665637"/>
             </a:xfrm>
             <a:prstGeom prst="rect">
@@ -5156,7 +5126,7 @@
             <p:cNvPr id="51" name="Group 50">
               <a:extLst>
                 <a:ext uri="{FF2B5EF4-FFF2-40B4-BE49-F238E27FC236}">
-                  <a16:creationId xmlns:a16="http://schemas.microsoft.com/office/drawing/2014/main" id="{94FAB7F6-8991-4C01-9DDD-D61865D7B322}"/>
+                  <a16:creationId xmlns:a16="http://schemas.microsoft.com/office/drawing/2014/main" xmlns="" id="{94FAB7F6-8991-4C01-9DDD-D61865D7B322}"/>
                 </a:ext>
               </a:extLst>
             </p:cNvPr>
@@ -5165,10 +5135,10 @@
           </p:nvGrpSpPr>
           <p:grpSpPr>
             <a:xfrm>
-              <a:off x="19965234" y="41002707"/>
-              <a:ext cx="3622536" cy="1737637"/>
-              <a:chOff x="10439314" y="40950188"/>
-              <a:chExt cx="3621730" cy="1737250"/>
+              <a:off x="17269419" y="41002707"/>
+              <a:ext cx="3622530" cy="1737637"/>
+              <a:chOff x="7744012" y="40950188"/>
+              <a:chExt cx="3621724" cy="1737250"/>
             </a:xfrm>
           </p:grpSpPr>
           <p:pic>
@@ -5176,7 +5146,7 @@
               <p:cNvPr id="9" name="Picture 8">
                 <a:extLst>
                   <a:ext uri="{FF2B5EF4-FFF2-40B4-BE49-F238E27FC236}">
-                    <a16:creationId xmlns:a16="http://schemas.microsoft.com/office/drawing/2014/main" id="{545708B5-797C-40B0-A5DC-0B14FF3C9D6A}"/>
+                    <a16:creationId xmlns:a16="http://schemas.microsoft.com/office/drawing/2014/main" xmlns="" id="{545708B5-797C-40B0-A5DC-0B14FF3C9D6A}"/>
                   </a:ext>
                 </a:extLst>
               </p:cNvPr>
@@ -5186,7 +5156,7 @@
               <p:nvPr/>
             </p:nvPicPr>
             <p:blipFill>
-              <a:blip r:embed="rId15" cstate="hqprint">
+              <a:blip r:embed="rId15" cstate="print">
                 <a:extLst>
                   <a:ext uri="{28A0092B-C50C-407E-A947-70E740481C1C}">
                     <a14:useLocalDpi xmlns:a14="http://schemas.microsoft.com/office/drawing/2010/main" val="0"/>
@@ -5199,7 +5169,7 @@
             </p:blipFill>
             <p:spPr>
               <a:xfrm>
-                <a:off x="10439314" y="41159305"/>
+                <a:off x="7744012" y="41159305"/>
                 <a:ext cx="305450" cy="305450"/>
               </a:xfrm>
               <a:prstGeom prst="rect">
@@ -5212,7 +5182,7 @@
               <p:cNvPr id="30" name="TextBox 29">
                 <a:extLst>
                   <a:ext uri="{FF2B5EF4-FFF2-40B4-BE49-F238E27FC236}">
-                    <a16:creationId xmlns:a16="http://schemas.microsoft.com/office/drawing/2014/main" id="{948F2B25-9BD0-4B73-B1CA-FD4A76765CC5}"/>
+                    <a16:creationId xmlns:a16="http://schemas.microsoft.com/office/drawing/2014/main" xmlns="" id="{948F2B25-9BD0-4B73-B1CA-FD4A76765CC5}"/>
                   </a:ext>
                 </a:extLst>
               </p:cNvPr>
@@ -5221,8 +5191,8 @@
             </p:nvSpPr>
             <p:spPr>
               <a:xfrm>
-                <a:off x="10858807" y="40950188"/>
-                <a:ext cx="3202237" cy="646331"/>
+                <a:off x="8163498" y="40950188"/>
+                <a:ext cx="3202238" cy="646331"/>
               </a:xfrm>
               <a:prstGeom prst="rect">
                 <a:avLst/>
@@ -5241,7 +5211,7 @@
                   </a:lnSpc>
                 </a:pPr>
                 <a:r>
-                  <a:rPr lang="en-US" sz="2400" b="1" i="1" dirty="0">
+                  <a:rPr lang="en-US" sz="2400" b="1" i="1" dirty="0" smtClean="0">
                     <a:solidFill>
                       <a:schemeClr val="bg1"/>
                     </a:solidFill>
@@ -5250,6 +5220,13 @@
                   </a:rPr>
                   <a:t>sfragkoul@certh.gr</a:t>
                 </a:r>
+                <a:endParaRPr lang="en-US" sz="2400" b="1" i="1" dirty="0">
+                  <a:solidFill>
+                    <a:schemeClr val="bg1"/>
+                  </a:solidFill>
+                  <a:latin typeface="Arial" panose="020B0604020202020204" pitchFamily="34" charset="0"/>
+                  <a:cs typeface="Arial" panose="020B0604020202020204" pitchFamily="34" charset="0"/>
+                </a:endParaRPr>
               </a:p>
             </p:txBody>
           </p:sp>
@@ -5258,7 +5235,7 @@
               <p:cNvPr id="20" name="Picture 19">
                 <a:extLst>
                   <a:ext uri="{FF2B5EF4-FFF2-40B4-BE49-F238E27FC236}">
-                    <a16:creationId xmlns:a16="http://schemas.microsoft.com/office/drawing/2014/main" id="{93EE9055-4671-4867-8674-B83BF3EE0BF8}"/>
+                    <a16:creationId xmlns:a16="http://schemas.microsoft.com/office/drawing/2014/main" xmlns="" id="{93EE9055-4671-4867-8674-B83BF3EE0BF8}"/>
                   </a:ext>
                 </a:extLst>
               </p:cNvPr>
@@ -5268,7 +5245,7 @@
               <p:nvPr/>
             </p:nvPicPr>
             <p:blipFill>
-              <a:blip r:embed="rId16" cstate="hqprint">
+              <a:blip r:embed="rId16" cstate="print">
                 <a:extLst>
                   <a:ext uri="{28A0092B-C50C-407E-A947-70E740481C1C}">
                     <a14:useLocalDpi xmlns:a14="http://schemas.microsoft.com/office/drawing/2010/main" val="0"/>
@@ -5281,7 +5258,7 @@
             </p:blipFill>
             <p:spPr>
               <a:xfrm>
-                <a:off x="10439314" y="41706703"/>
+                <a:off x="7744012" y="41706703"/>
                 <a:ext cx="305450" cy="305450"/>
               </a:xfrm>
               <a:prstGeom prst="rect">
@@ -5294,7 +5271,7 @@
               <p:cNvPr id="47" name="TextBox 46">
                 <a:extLst>
                   <a:ext uri="{FF2B5EF4-FFF2-40B4-BE49-F238E27FC236}">
-                    <a16:creationId xmlns:a16="http://schemas.microsoft.com/office/drawing/2014/main" id="{AF669C03-398B-42AF-9E8E-6E06C18D8F34}"/>
+                    <a16:creationId xmlns:a16="http://schemas.microsoft.com/office/drawing/2014/main" xmlns="" id="{AF669C03-398B-42AF-9E8E-6E06C18D8F34}"/>
                   </a:ext>
                 </a:extLst>
               </p:cNvPr>
@@ -5303,7 +5280,7 @@
             </p:nvSpPr>
             <p:spPr>
               <a:xfrm>
-                <a:off x="10858807" y="41495647"/>
+                <a:off x="8163358" y="41495647"/>
                 <a:ext cx="1790120" cy="646331"/>
               </a:xfrm>
               <a:prstGeom prst="rect">
@@ -5340,7 +5317,7 @@
               <p:cNvPr id="24" name="Picture 23">
                 <a:extLst>
                   <a:ext uri="{FF2B5EF4-FFF2-40B4-BE49-F238E27FC236}">
-                    <a16:creationId xmlns:a16="http://schemas.microsoft.com/office/drawing/2014/main" id="{D06022DB-DDA2-4B7E-889D-7C51FBC7727E}"/>
+                    <a16:creationId xmlns:a16="http://schemas.microsoft.com/office/drawing/2014/main" xmlns="" id="{D06022DB-DDA2-4B7E-889D-7C51FBC7727E}"/>
                   </a:ext>
                 </a:extLst>
               </p:cNvPr>
@@ -5350,7 +5327,7 @@
               <p:nvPr/>
             </p:nvPicPr>
             <p:blipFill>
-              <a:blip r:embed="rId17" cstate="hqprint">
+              <a:blip r:embed="rId17" cstate="print">
                 <a:extLst>
                   <a:ext uri="{28A0092B-C50C-407E-A947-70E740481C1C}">
                     <a14:useLocalDpi xmlns:a14="http://schemas.microsoft.com/office/drawing/2010/main" val="0"/>
@@ -5363,7 +5340,7 @@
             </p:blipFill>
             <p:spPr>
               <a:xfrm>
-                <a:off x="10439314" y="42258991"/>
+                <a:off x="7744012" y="42258991"/>
                 <a:ext cx="305450" cy="305450"/>
               </a:xfrm>
               <a:prstGeom prst="rect">
@@ -5376,7 +5353,7 @@
               <p:cNvPr id="49" name="TextBox 48">
                 <a:extLst>
                   <a:ext uri="{FF2B5EF4-FFF2-40B4-BE49-F238E27FC236}">
-                    <a16:creationId xmlns:a16="http://schemas.microsoft.com/office/drawing/2014/main" id="{7ECA3008-2E8F-4CBB-A810-4363879B4929}"/>
+                    <a16:creationId xmlns:a16="http://schemas.microsoft.com/office/drawing/2014/main" xmlns="" id="{7ECA3008-2E8F-4CBB-A810-4363879B4929}"/>
                   </a:ext>
                 </a:extLst>
               </p:cNvPr>
@@ -5385,7 +5362,7 @@
             </p:nvSpPr>
             <p:spPr>
               <a:xfrm>
-                <a:off x="10858806" y="42041107"/>
+                <a:off x="8163504" y="42041107"/>
                 <a:ext cx="2072236" cy="646331"/>
               </a:xfrm>
               <a:prstGeom prst="rect">
@@ -5458,7 +5435,7 @@
           </p:blipFill>
           <p:spPr>
             <a:xfrm>
-              <a:off x="23873428" y="40762142"/>
+              <a:off x="20404908" y="40699078"/>
               <a:ext cx="6273524" cy="2351799"/>
             </a:xfrm>
             <a:prstGeom prst="rect">
@@ -5488,7 +5465,7 @@
           </p:blipFill>
           <p:spPr>
             <a:xfrm>
-              <a:off x="10949822" y="41087727"/>
+              <a:off x="8852944" y="41087727"/>
               <a:ext cx="8301712" cy="1616770"/>
             </a:xfrm>
             <a:prstGeom prst="rect">
@@ -5502,7 +5479,7 @@
           <p:cNvPr id="62" name="Rectangle 61">
             <a:extLst>
               <a:ext uri="{FF2B5EF4-FFF2-40B4-BE49-F238E27FC236}">
-                <a16:creationId xmlns:a16="http://schemas.microsoft.com/office/drawing/2014/main" id="{18C20CFF-4BD1-40F4-BFBD-6135A421D18B}"/>
+                <a16:creationId xmlns:a16="http://schemas.microsoft.com/office/drawing/2014/main" xmlns="" id="{18C20CFF-4BD1-40F4-BFBD-6135A421D18B}"/>
               </a:ext>
             </a:extLst>
           </p:cNvPr>
@@ -5675,7 +5652,7 @@
           <p:cNvPr id="66" name="Rectangle 65">
             <a:extLst>
               <a:ext uri="{FF2B5EF4-FFF2-40B4-BE49-F238E27FC236}">
-                <a16:creationId xmlns:a16="http://schemas.microsoft.com/office/drawing/2014/main" id="{18C20CFF-4BD1-40F4-BFBD-6135A421D18B}"/>
+                <a16:creationId xmlns:a16="http://schemas.microsoft.com/office/drawing/2014/main" xmlns="" id="{18C20CFF-4BD1-40F4-BFBD-6135A421D18B}"/>
               </a:ext>
             </a:extLst>
           </p:cNvPr>
@@ -5788,7 +5765,7 @@
           <p:cNvPr id="102" name="Rectangle 101">
             <a:extLst>
               <a:ext uri="{FF2B5EF4-FFF2-40B4-BE49-F238E27FC236}">
-                <a16:creationId xmlns:a16="http://schemas.microsoft.com/office/drawing/2014/main" id="{18C20CFF-4BD1-40F4-BFBD-6135A421D18B}"/>
+                <a16:creationId xmlns:a16="http://schemas.microsoft.com/office/drawing/2014/main" xmlns="" id="{18C20CFF-4BD1-40F4-BFBD-6135A421D18B}"/>
               </a:ext>
             </a:extLst>
           </p:cNvPr>
@@ -6176,27 +6153,7 @@
                   <a:latin typeface="Arial" panose="020B0604020202020204" pitchFamily="34" charset="0"/>
                   <a:cs typeface="Arial" panose="020B0604020202020204" pitchFamily="34" charset="0"/>
                 </a:rPr>
-                <a:t>SNIPs and INDELs </a:t>
-              </a:r>
-              <a:r>
-                <a:rPr lang="en-US" sz="4400" dirty="0" smtClean="0">
-                  <a:solidFill>
-                    <a:schemeClr val="accent2">
-                      <a:lumMod val="20000"/>
-                      <a:lumOff val="80000"/>
-                    </a:schemeClr>
-                  </a:solidFill>
-                  <a:effectLst>
-                    <a:outerShdw blurRad="38100" dist="38100" dir="2700000" algn="tl">
-                      <a:srgbClr val="000000">
-                        <a:alpha val="43137"/>
-                      </a:srgbClr>
-                    </a:outerShdw>
-                  </a:effectLst>
-                  <a:latin typeface="Arial" panose="020B0604020202020204" pitchFamily="34" charset="0"/>
-                  <a:cs typeface="Arial" panose="020B0604020202020204" pitchFamily="34" charset="0"/>
-                </a:rPr>
-                <a:t>in order to </a:t>
+                <a:t>SNIPs and INDELs in order to </a:t>
               </a:r>
               <a:r>
                 <a:rPr lang="en-US" sz="4400" b="1" dirty="0" smtClean="0">
@@ -6285,47 +6242,7 @@
                   <a:latin typeface="Arial" panose="020B0604020202020204" pitchFamily="34" charset="0"/>
                   <a:cs typeface="Arial" panose="020B0604020202020204" pitchFamily="34" charset="0"/>
                 </a:rPr>
-                <a:t>Investigate the impact of variant callers in </a:t>
-              </a:r>
-              <a:r>
-                <a:rPr lang="en-US" sz="4400" dirty="0" smtClean="0">
-                  <a:solidFill>
-                    <a:schemeClr val="accent2">
-                      <a:lumMod val="20000"/>
-                      <a:lumOff val="80000"/>
-                    </a:schemeClr>
-                  </a:solidFill>
-                  <a:effectLst>
-                    <a:outerShdw blurRad="38100" dist="38100" dir="2700000" algn="tl">
-                      <a:srgbClr val="000000">
-                        <a:alpha val="43137"/>
-                      </a:srgbClr>
-                    </a:outerShdw>
-                  </a:effectLst>
-                  <a:latin typeface="Arial" panose="020B0604020202020204" pitchFamily="34" charset="0"/>
-                  <a:cs typeface="Arial" panose="020B0604020202020204" pitchFamily="34" charset="0"/>
-                </a:rPr>
-                <a:t>variants </a:t>
-              </a:r>
-              <a:r>
-                <a:rPr lang="en-US" sz="4400" dirty="0" smtClean="0">
-                  <a:solidFill>
-                    <a:schemeClr val="accent2">
-                      <a:lumMod val="20000"/>
-                      <a:lumOff val="80000"/>
-                    </a:schemeClr>
-                  </a:solidFill>
-                  <a:effectLst>
-                    <a:outerShdw blurRad="38100" dist="38100" dir="2700000" algn="tl">
-                      <a:srgbClr val="000000">
-                        <a:alpha val="43137"/>
-                      </a:srgbClr>
-                    </a:outerShdw>
-                  </a:effectLst>
-                  <a:latin typeface="Arial" panose="020B0604020202020204" pitchFamily="34" charset="0"/>
-                  <a:cs typeface="Arial" panose="020B0604020202020204" pitchFamily="34" charset="0"/>
-                </a:rPr>
-                <a:t>at </a:t>
+                <a:t>Investigate the impact of variant callers in variants at </a:t>
               </a:r>
               <a:r>
                 <a:rPr lang="en-US" sz="4400" b="1" dirty="0" smtClean="0">
@@ -6403,7 +6320,7 @@
           <p:cNvPr id="60" name="Rectangle 59">
             <a:extLst>
               <a:ext uri="{FF2B5EF4-FFF2-40B4-BE49-F238E27FC236}">
-                <a16:creationId xmlns:a16="http://schemas.microsoft.com/office/drawing/2014/main" id="{18C20CFF-4BD1-40F4-BFBD-6135A421D18B}"/>
+                <a16:creationId xmlns:a16="http://schemas.microsoft.com/office/drawing/2014/main" xmlns="" id="{18C20CFF-4BD1-40F4-BFBD-6135A421D18B}"/>
               </a:ext>
             </a:extLst>
           </p:cNvPr>
@@ -6507,25 +6424,8 @@
                 <a:latin typeface="Arial" panose="020B0604020202020204" pitchFamily="34" charset="0"/>
                 <a:cs typeface="Arial" panose="020B0604020202020204" pitchFamily="34" charset="0"/>
               </a:rPr>
-              <a:t> </a:t>
-            </a:r>
-            <a:r>
-              <a:rPr lang="en-US" sz="3200" b="1" dirty="0" smtClean="0">
-                <a:solidFill>
-                  <a:srgbClr val="224E59"/>
-                </a:solidFill>
-                <a:latin typeface="Arial" panose="020B0604020202020204" pitchFamily="34" charset="0"/>
-                <a:cs typeface="Arial" panose="020B0604020202020204" pitchFamily="34" charset="0"/>
-              </a:rPr>
-              <a:t>Variants</a:t>
-            </a:r>
-            <a:endParaRPr lang="en-US" sz="3200" b="1" dirty="0" smtClean="0">
-              <a:solidFill>
-                <a:srgbClr val="224E59"/>
-              </a:solidFill>
-              <a:latin typeface="Arial" panose="020B0604020202020204" pitchFamily="34" charset="0"/>
-              <a:cs typeface="Arial" panose="020B0604020202020204" pitchFamily="34" charset="0"/>
-            </a:endParaRPr>
+              <a:t> Variants</a:t>
+            </a:r>
           </a:p>
         </p:txBody>
       </p:sp>
@@ -6534,7 +6434,7 @@
           <p:cNvPr id="61" name="Rectangle 60">
             <a:extLst>
               <a:ext uri="{FF2B5EF4-FFF2-40B4-BE49-F238E27FC236}">
-                <a16:creationId xmlns:a16="http://schemas.microsoft.com/office/drawing/2014/main" id="{18C20CFF-4BD1-40F4-BFBD-6135A421D18B}"/>
+                <a16:creationId xmlns:a16="http://schemas.microsoft.com/office/drawing/2014/main" xmlns="" id="{18C20CFF-4BD1-40F4-BFBD-6135A421D18B}"/>
               </a:ext>
             </a:extLst>
           </p:cNvPr>
@@ -6635,7 +6535,7 @@
           <p:cNvPr id="65" name="Rectangle 64">
             <a:extLst>
               <a:ext uri="{FF2B5EF4-FFF2-40B4-BE49-F238E27FC236}">
-                <a16:creationId xmlns:a16="http://schemas.microsoft.com/office/drawing/2014/main" id="{18C20CFF-4BD1-40F4-BFBD-6135A421D18B}"/>
+                <a16:creationId xmlns:a16="http://schemas.microsoft.com/office/drawing/2014/main" xmlns="" id="{18C20CFF-4BD1-40F4-BFBD-6135A421D18B}"/>
               </a:ext>
             </a:extLst>
           </p:cNvPr>
@@ -6990,37 +6890,7 @@
                   <a:latin typeface="Arial" panose="020B0604020202020204" pitchFamily="34" charset="0"/>
                   <a:cs typeface="Arial" panose="020B0604020202020204" pitchFamily="34" charset="0"/>
                 </a:rPr>
-                <a:t>Difficulty to identify </a:t>
-              </a:r>
-              <a:r>
-                <a:rPr lang="en-US" sz="3600" b="1" dirty="0" smtClean="0">
-                  <a:solidFill>
-                    <a:srgbClr val="224E59"/>
-                  </a:solidFill>
-                  <a:latin typeface="Arial" panose="020B0604020202020204" pitchFamily="34" charset="0"/>
-                  <a:cs typeface="Arial" panose="020B0604020202020204" pitchFamily="34" charset="0"/>
-                </a:rPr>
-                <a:t>v</a:t>
-              </a:r>
-              <a:r>
-                <a:rPr lang="en-US" sz="3600" b="1" dirty="0" smtClean="0">
-                  <a:solidFill>
-                    <a:srgbClr val="224E59"/>
-                  </a:solidFill>
-                  <a:latin typeface="Arial" panose="020B0604020202020204" pitchFamily="34" charset="0"/>
-                  <a:cs typeface="Arial" panose="020B0604020202020204" pitchFamily="34" charset="0"/>
-                </a:rPr>
-                <a:t>ariants </a:t>
-              </a:r>
-              <a:r>
-                <a:rPr lang="en-US" sz="3600" b="1" dirty="0" smtClean="0">
-                  <a:solidFill>
-                    <a:srgbClr val="224E59"/>
-                  </a:solidFill>
-                  <a:latin typeface="Arial" panose="020B0604020202020204" pitchFamily="34" charset="0"/>
-                  <a:cs typeface="Arial" panose="020B0604020202020204" pitchFamily="34" charset="0"/>
-                </a:rPr>
-                <a:t>at low frequencies</a:t>
+                <a:t>Difficulty to identify variants at low frequencies</a:t>
               </a:r>
               <a:endParaRPr lang="el-GR" sz="3600" b="1" dirty="0">
                 <a:solidFill>
@@ -7038,7 +6908,7 @@
           <p:cNvPr id="67" name="Rectangle 66">
             <a:extLst>
               <a:ext uri="{FF2B5EF4-FFF2-40B4-BE49-F238E27FC236}">
-                <a16:creationId xmlns:a16="http://schemas.microsoft.com/office/drawing/2014/main" id="{18C20CFF-4BD1-40F4-BFBD-6135A421D18B}"/>
+                <a16:creationId xmlns:a16="http://schemas.microsoft.com/office/drawing/2014/main" xmlns="" id="{18C20CFF-4BD1-40F4-BFBD-6135A421D18B}"/>
               </a:ext>
             </a:extLst>
           </p:cNvPr>
@@ -7284,7 +7154,7 @@
           <p:cNvPr id="68" name="Rectangle 67">
             <a:extLst>
               <a:ext uri="{FF2B5EF4-FFF2-40B4-BE49-F238E27FC236}">
-                <a16:creationId xmlns:a16="http://schemas.microsoft.com/office/drawing/2014/main" id="{18C20CFF-4BD1-40F4-BFBD-6135A421D18B}"/>
+                <a16:creationId xmlns:a16="http://schemas.microsoft.com/office/drawing/2014/main" xmlns="" id="{18C20CFF-4BD1-40F4-BFBD-6135A421D18B}"/>
               </a:ext>
             </a:extLst>
           </p:cNvPr>
@@ -7318,27 +7188,7 @@
                 <a:latin typeface="Arial" panose="020B0604020202020204" pitchFamily="34" charset="0"/>
                 <a:cs typeface="Arial" panose="020B0604020202020204" pitchFamily="34" charset="0"/>
               </a:rPr>
-              <a:t>Divergence in the identification of </a:t>
-            </a:r>
-            <a:r>
-              <a:rPr lang="en-US" sz="3200" b="1" dirty="0" smtClean="0">
-                <a:solidFill>
-                  <a:srgbClr val="224E59"/>
-                </a:solidFill>
-                <a:latin typeface="Arial" panose="020B0604020202020204" pitchFamily="34" charset="0"/>
-                <a:cs typeface="Arial" panose="020B0604020202020204" pitchFamily="34" charset="0"/>
-              </a:rPr>
-              <a:t>SNIPs </a:t>
-            </a:r>
-            <a:r>
-              <a:rPr lang="en-US" sz="3200" b="1" dirty="0" smtClean="0">
-                <a:solidFill>
-                  <a:srgbClr val="224E59"/>
-                </a:solidFill>
-                <a:latin typeface="Arial" panose="020B0604020202020204" pitchFamily="34" charset="0"/>
-                <a:cs typeface="Arial" panose="020B0604020202020204" pitchFamily="34" charset="0"/>
-              </a:rPr>
-              <a:t>and their AF of </a:t>
+              <a:t>Divergence in the identification of SNIPs and their AF of </a:t>
             </a:r>
             <a:r>
               <a:rPr lang="el-GR" sz="3200" b="1" dirty="0" smtClean="0">
@@ -7400,6 +7250,115 @@
           </a:p>
         </p:txBody>
       </p:sp>
+      <p:grpSp>
+        <p:nvGrpSpPr>
+          <p:cNvPr id="5" name="Group 4"/>
+          <p:cNvGrpSpPr/>
+          <p:nvPr/>
+        </p:nvGrpSpPr>
+        <p:grpSpPr>
+          <a:xfrm>
+            <a:off x="26492813" y="40997850"/>
+            <a:ext cx="3667438" cy="1611495"/>
+            <a:chOff x="26524345" y="40903254"/>
+            <a:chExt cx="3667438" cy="1611495"/>
+          </a:xfrm>
+        </p:grpSpPr>
+        <p:pic>
+          <p:nvPicPr>
+            <p:cNvPr id="1026" name="Picture 2" descr="C:\Users\stell\Downloads\image_2023_07_05T19_24_15_558Z.png"/>
+            <p:cNvPicPr>
+              <a:picLocks noChangeAspect="1" noChangeArrowheads="1"/>
+            </p:cNvPicPr>
+            <p:nvPr/>
+          </p:nvPicPr>
+          <p:blipFill>
+            <a:blip r:embed="rId22">
+              <a:extLst>
+                <a:ext uri="{28A0092B-C50C-407E-A947-70E740481C1C}">
+                  <a14:useLocalDpi xmlns:a14="http://schemas.microsoft.com/office/drawing/2010/main" val="0"/>
+                </a:ext>
+              </a:extLst>
+            </a:blip>
+            <a:srcRect/>
+            <a:stretch>
+              <a:fillRect/>
+            </a:stretch>
+          </p:blipFill>
+          <p:spPr bwMode="auto">
+            <a:xfrm>
+              <a:off x="26678432" y="41733474"/>
+              <a:ext cx="3457143" cy="781275"/>
+            </a:xfrm>
+            <a:prstGeom prst="rect">
+              <a:avLst/>
+            </a:prstGeom>
+            <a:noFill/>
+            <a:extLst>
+              <a:ext uri="{909E8E84-426E-40DD-AFC4-6F175D3DCCD1}">
+                <a14:hiddenFill xmlns:a14="http://schemas.microsoft.com/office/drawing/2010/main">
+                  <a:solidFill>
+                    <a:srgbClr val="FFFFFF"/>
+                  </a:solidFill>
+                </a14:hiddenFill>
+              </a:ext>
+            </a:extLst>
+          </p:spPr>
+        </p:pic>
+        <p:sp>
+          <p:nvSpPr>
+            <p:cNvPr id="69" name="TextBox 68">
+              <a:extLst>
+                <a:ext uri="{FF2B5EF4-FFF2-40B4-BE49-F238E27FC236}">
+                  <a16:creationId xmlns:a16="http://schemas.microsoft.com/office/drawing/2014/main" xmlns="" id="{948F2B25-9BD0-4B73-B1CA-FD4A76765CC5}"/>
+                </a:ext>
+              </a:extLst>
+            </p:cNvPr>
+            <p:cNvSpPr txBox="1"/>
+            <p:nvPr/>
+          </p:nvSpPr>
+          <p:spPr>
+            <a:xfrm>
+              <a:off x="26524345" y="40903254"/>
+              <a:ext cx="3667438" cy="698717"/>
+            </a:xfrm>
+            <a:prstGeom prst="rect">
+              <a:avLst/>
+            </a:prstGeom>
+            <a:noFill/>
+          </p:spPr>
+          <p:txBody>
+            <a:bodyPr wrap="square" rtlCol="0">
+              <a:spAutoFit/>
+            </a:bodyPr>
+            <a:lstStyle/>
+            <a:p>
+              <a:pPr algn="ctr">
+                <a:lnSpc>
+                  <a:spcPct val="150000"/>
+                </a:lnSpc>
+              </a:pPr>
+              <a:r>
+                <a:rPr lang="en-US" sz="1400" b="1" dirty="0" smtClean="0">
+                  <a:solidFill>
+                    <a:schemeClr val="bg1"/>
+                  </a:solidFill>
+                  <a:latin typeface="Arial" panose="020B0604020202020204" pitchFamily="34" charset="0"/>
+                  <a:cs typeface="Arial" panose="020B0604020202020204" pitchFamily="34" charset="0"/>
+                </a:rPr>
+                <a:t>This research has been co-financed by the HORIZON-INFRA-2021-EOSC-01-04:</a:t>
+              </a:r>
+              <a:endParaRPr lang="en-US" sz="1400" b="1" dirty="0">
+                <a:solidFill>
+                  <a:schemeClr val="bg1"/>
+                </a:solidFill>
+                <a:latin typeface="Arial" panose="020B0604020202020204" pitchFamily="34" charset="0"/>
+                <a:cs typeface="Arial" panose="020B0604020202020204" pitchFamily="34" charset="0"/>
+              </a:endParaRPr>
+            </a:p>
+          </p:txBody>
+        </p:sp>
+      </p:grpSp>
     </p:spTree>
     <p:extLst>
       <p:ext uri="{BB962C8B-B14F-4D97-AF65-F5344CB8AC3E}">
@@ -7463,7 +7422,7 @@
     </a:clrScheme>
     <a:fontScheme name="Office Theme">
       <a:majorFont>
-        <a:latin typeface="Calibri Light" panose="020F0302020204030204"/>
+        <a:latin typeface="Calibri Light"/>
         <a:ea typeface=""/>
         <a:cs typeface=""/>
         <a:font script="Jpan" typeface="游ゴシック Light"/>
@@ -7498,7 +7457,7 @@
         <a:font script="Geor" typeface="Sylfaen"/>
       </a:majorFont>
       <a:minorFont>
-        <a:latin typeface="Calibri" panose="020F0502020204030204"/>
+        <a:latin typeface="Calibri"/>
         <a:ea typeface=""/>
         <a:cs typeface=""/>
         <a:font script="Jpan" typeface="游ゴシック"/>
@@ -7675,7 +7634,7 @@
   <a:extraClrSchemeLst/>
   <a:extLst>
     <a:ext uri="{05A4C25C-085E-4340-85A3-A5531E510DB2}">
-      <thm15:themeFamily xmlns:thm15="http://schemas.microsoft.com/office/thememl/2012/main" name="Office Theme" id="{62F939B6-93AF-4DB8-9C6B-D6C7DFDC589F}" vid="{4A3C46E8-61CC-4603-A589-7422A47A8E4A}"/>
+      <thm15:themeFamily xmlns:thm15="http://schemas.microsoft.com/office/thememl/2012/main" xmlns="" name="Office Theme" id="{62F939B6-93AF-4DB8-9C6B-D6C7DFDC589F}" vid="{4A3C46E8-61CC-4603-A589-7422A47A8E4A}"/>
     </a:ext>
   </a:extLst>
 </a:theme>
@@ -7724,7 +7683,7 @@
     </a:clrScheme>
     <a:fontScheme name="Office">
       <a:majorFont>
-        <a:latin typeface="Calibri Light" panose="020F0302020204030204"/>
+        <a:latin typeface="Calibri Light"/>
         <a:ea typeface=""/>
         <a:cs typeface=""/>
         <a:font script="Jpan" typeface="游ゴシック Light"/>
@@ -7776,7 +7735,7 @@
         <a:font script="Tfng" typeface="Ebrima"/>
       </a:majorFont>
       <a:minorFont>
-        <a:latin typeface="Calibri" panose="020F0502020204030204"/>
+        <a:latin typeface="Calibri"/>
         <a:ea typeface=""/>
         <a:cs typeface=""/>
         <a:font script="Jpan" typeface="游ゴシック"/>
@@ -7970,7 +7929,7 @@
   <a:extraClrSchemeLst/>
   <a:extLst>
     <a:ext uri="{05A4C25C-085E-4340-85A3-A5531E510DB2}">
-      <thm15:themeFamily xmlns:thm15="http://schemas.microsoft.com/office/thememl/2012/main" name="Office Theme" id="{62F939B6-93AF-4DB8-9C6B-D6C7DFDC589F}" vid="{4A3C46E8-61CC-4603-A589-7422A47A8E4A}"/>
+      <thm15:themeFamily xmlns:thm15="http://schemas.microsoft.com/office/thememl/2012/main" xmlns="" name="Office Theme" id="{62F939B6-93AF-4DB8-9C6B-D6C7DFDC589F}" vid="{4A3C46E8-61CC-4603-A589-7422A47A8E4A}"/>
     </a:ext>
   </a:extLst>
 </a:theme>
@@ -8019,7 +7978,7 @@
     </a:clrScheme>
     <a:fontScheme name="Office">
       <a:majorFont>
-        <a:latin typeface="Calibri Light" panose="020F0302020204030204"/>
+        <a:latin typeface="Calibri Light"/>
         <a:ea typeface=""/>
         <a:cs typeface=""/>
         <a:font script="Jpan" typeface="游ゴシック Light"/>
@@ -8054,7 +8013,7 @@
         <a:font script="Geor" typeface="Sylfaen"/>
       </a:majorFont>
       <a:minorFont>
-        <a:latin typeface="Calibri" panose="020F0502020204030204"/>
+        <a:latin typeface="Calibri"/>
         <a:ea typeface=""/>
         <a:cs typeface=""/>
         <a:font script="Jpan" typeface="游ゴシック"/>
@@ -8231,7 +8190,7 @@
   <a:extraClrSchemeLst/>
   <a:extLst>
     <a:ext uri="{05A4C25C-085E-4340-85A3-A5531E510DB2}">
-      <thm15:themeFamily xmlns:thm15="http://schemas.microsoft.com/office/thememl/2012/main" name="Office Theme" id="{62F939B6-93AF-4DB8-9C6B-D6C7DFDC589F}" vid="{4A3C46E8-61CC-4603-A589-7422A47A8E4A}"/>
+      <thm15:themeFamily xmlns:thm15="http://schemas.microsoft.com/office/thememl/2012/main" xmlns="" name="Office Theme" id="{62F939B6-93AF-4DB8-9C6B-D6C7DFDC589F}" vid="{4A3C46E8-61CC-4603-A589-7422A47A8E4A}"/>
     </a:ext>
   </a:extLst>
 </a:theme>

--- a/ISMBECCB2023_1226_Fragkouli_poster.pptx
+++ b/ISMBECCB2023_1226_Fragkouli_poster.pptx
@@ -121,7 +121,7 @@
       </p14:sectionLst>
     </p:ext>
     <p:ext uri="{EFAFB233-063F-42B5-8137-9DF3F51BA10A}">
-      <p15:sldGuideLst xmlns:p15="http://schemas.microsoft.com/office/powerpoint/2012/main" xmlns="">
+      <p15:sldGuideLst xmlns:p15="http://schemas.microsoft.com/office/powerpoint/2012/main">
         <p15:guide id="1" orient="horz" pos="13527" userDrawn="1">
           <p15:clr>
             <a:srgbClr val="A4A3A4"/>
@@ -135,7 +135,7 @@
       </p15:sldGuideLst>
     </p:ext>
     <p:ext uri="{2D200454-40CA-4A62-9FC3-DE9A4176ACB9}">
-      <p15:notesGuideLst xmlns:p15="http://schemas.microsoft.com/office/powerpoint/2012/main" xmlns=""/>
+      <p15:notesGuideLst xmlns:p15="http://schemas.microsoft.com/office/powerpoint/2012/main"/>
     </p:ext>
   </p:extLst>
 </p:presentation>
@@ -146,7 +146,7 @@
   <p:cmAuthor id="1" name="Nikolas Pechlivanis" initials="NP" lastIdx="2" clrIdx="0">
     <p:extLst>
       <p:ext uri="{19B8F6BF-5375-455C-9EA6-DF929625EA0E}">
-        <p15:presenceInfo xmlns:p15="http://schemas.microsoft.com/office/powerpoint/2012/main" xmlns="" userId="6a711ebda6d3dccd" providerId="Windows Live"/>
+        <p15:presenceInfo xmlns:p15="http://schemas.microsoft.com/office/powerpoint/2012/main" userId="6a711ebda6d3dccd" providerId="Windows Live"/>
       </p:ext>
     </p:extLst>
   </p:cmAuthor>
@@ -235,7 +235,7 @@
           <a:p>
             <a:fld id="{A2C17C0E-7EDB-4075-A298-E3ED005F4C7C}" type="datetimeFigureOut">
               <a:rPr lang="el-GR" smtClean="0"/>
-              <a:t>5/7/2023</a:t>
+              <a:t>6/7/2023</a:t>
             </a:fld>
             <a:endParaRPr lang="el-GR"/>
           </a:p>
@@ -400,7 +400,7 @@
           <a:p>
             <a:fld id="{5F4FDF9D-009C-4A66-9571-998C56D03408}" type="datetimeFigureOut">
               <a:rPr lang="en-US" smtClean="0"/>
-              <a:t>05-Jul-23</a:t>
+              <a:t>7/6/2023</a:t>
             </a:fld>
             <a:endParaRPr lang="en-US"/>
           </a:p>
@@ -882,7 +882,7 @@
           <a:p>
             <a:fld id="{7AB69131-528E-47CA-9221-AD941DD4DEED}" type="datetimeFigureOut">
               <a:rPr lang="en-US" smtClean="0"/>
-              <a:t>05-Jul-23</a:t>
+              <a:t>7/6/2023</a:t>
             </a:fld>
             <a:endParaRPr lang="en-US"/>
           </a:p>
@@ -1052,7 +1052,7 @@
           <a:p>
             <a:fld id="{7AB69131-528E-47CA-9221-AD941DD4DEED}" type="datetimeFigureOut">
               <a:rPr lang="en-US" smtClean="0"/>
-              <a:t>05-Jul-23</a:t>
+              <a:t>7/6/2023</a:t>
             </a:fld>
             <a:endParaRPr lang="en-US"/>
           </a:p>
@@ -1232,7 +1232,7 @@
           <a:p>
             <a:fld id="{7AB69131-528E-47CA-9221-AD941DD4DEED}" type="datetimeFigureOut">
               <a:rPr lang="en-US" smtClean="0"/>
-              <a:t>05-Jul-23</a:t>
+              <a:t>7/6/2023</a:t>
             </a:fld>
             <a:endParaRPr lang="en-US"/>
           </a:p>
@@ -1402,7 +1402,7 @@
           <a:p>
             <a:fld id="{7AB69131-528E-47CA-9221-AD941DD4DEED}" type="datetimeFigureOut">
               <a:rPr lang="en-US" smtClean="0"/>
-              <a:t>05-Jul-23</a:t>
+              <a:t>7/6/2023</a:t>
             </a:fld>
             <a:endParaRPr lang="en-US"/>
           </a:p>
@@ -1646,7 +1646,7 @@
           <a:p>
             <a:fld id="{7AB69131-528E-47CA-9221-AD941DD4DEED}" type="datetimeFigureOut">
               <a:rPr lang="en-US" smtClean="0"/>
-              <a:t>05-Jul-23</a:t>
+              <a:t>7/6/2023</a:t>
             </a:fld>
             <a:endParaRPr lang="en-US"/>
           </a:p>
@@ -1878,7 +1878,7 @@
           <a:p>
             <a:fld id="{7AB69131-528E-47CA-9221-AD941DD4DEED}" type="datetimeFigureOut">
               <a:rPr lang="en-US" smtClean="0"/>
-              <a:t>05-Jul-23</a:t>
+              <a:t>7/6/2023</a:t>
             </a:fld>
             <a:endParaRPr lang="en-US"/>
           </a:p>
@@ -2245,7 +2245,7 @@
           <a:p>
             <a:fld id="{7AB69131-528E-47CA-9221-AD941DD4DEED}" type="datetimeFigureOut">
               <a:rPr lang="en-US" smtClean="0"/>
-              <a:t>05-Jul-23</a:t>
+              <a:t>7/6/2023</a:t>
             </a:fld>
             <a:endParaRPr lang="en-US"/>
           </a:p>
@@ -2363,7 +2363,7 @@
           <a:p>
             <a:fld id="{7AB69131-528E-47CA-9221-AD941DD4DEED}" type="datetimeFigureOut">
               <a:rPr lang="en-US" smtClean="0"/>
-              <a:t>05-Jul-23</a:t>
+              <a:t>7/6/2023</a:t>
             </a:fld>
             <a:endParaRPr lang="en-US"/>
           </a:p>
@@ -2458,7 +2458,7 @@
           <a:p>
             <a:fld id="{7AB69131-528E-47CA-9221-AD941DD4DEED}" type="datetimeFigureOut">
               <a:rPr lang="en-US" smtClean="0"/>
-              <a:t>05-Jul-23</a:t>
+              <a:t>7/6/2023</a:t>
             </a:fld>
             <a:endParaRPr lang="en-US"/>
           </a:p>
@@ -2735,7 +2735,7 @@
           <a:p>
             <a:fld id="{7AB69131-528E-47CA-9221-AD941DD4DEED}" type="datetimeFigureOut">
               <a:rPr lang="en-US" smtClean="0"/>
-              <a:t>05-Jul-23</a:t>
+              <a:t>7/6/2023</a:t>
             </a:fld>
             <a:endParaRPr lang="en-US"/>
           </a:p>
@@ -2992,7 +2992,7 @@
           <a:p>
             <a:fld id="{7AB69131-528E-47CA-9221-AD941DD4DEED}" type="datetimeFigureOut">
               <a:rPr lang="en-US" smtClean="0"/>
-              <a:t>05-Jul-23</a:t>
+              <a:t>7/6/2023</a:t>
             </a:fld>
             <a:endParaRPr lang="en-US"/>
           </a:p>
@@ -3205,7 +3205,7 @@
           <a:p>
             <a:fld id="{7AB69131-528E-47CA-9221-AD941DD4DEED}" type="datetimeFigureOut">
               <a:rPr lang="en-US" smtClean="0"/>
-              <a:t>05-Jul-23</a:t>
+              <a:t>7/6/2023</a:t>
             </a:fld>
             <a:endParaRPr lang="en-US"/>
           </a:p>
@@ -3671,7 +3671,7 @@
           <p:cNvPr id="19" name="Group 18">
             <a:extLst>
               <a:ext uri="{FF2B5EF4-FFF2-40B4-BE49-F238E27FC236}">
-                <a16:creationId xmlns:a16="http://schemas.microsoft.com/office/drawing/2014/main" xmlns="" id="{F8C316FC-537E-4D77-AF68-159099DDD169}"/>
+                <a16:creationId xmlns:a16="http://schemas.microsoft.com/office/drawing/2014/main" id="{F8C316FC-537E-4D77-AF68-159099DDD169}"/>
               </a:ext>
             </a:extLst>
           </p:cNvPr>
@@ -3691,7 +3691,7 @@
             <p:cNvPr id="28" name="TextBox 27">
               <a:extLst>
                 <a:ext uri="{FF2B5EF4-FFF2-40B4-BE49-F238E27FC236}">
-                  <a16:creationId xmlns:a16="http://schemas.microsoft.com/office/drawing/2014/main" xmlns="" id="{C27040AE-E103-4BF4-8BEF-45480ADB9322}"/>
+                  <a16:creationId xmlns:a16="http://schemas.microsoft.com/office/drawing/2014/main" id="{C27040AE-E103-4BF4-8BEF-45480ADB9322}"/>
                 </a:ext>
               </a:extLst>
             </p:cNvPr>
@@ -3734,7 +3734,7 @@
             <p:cNvPr id="25" name="TextBox 24">
               <a:extLst>
                 <a:ext uri="{FF2B5EF4-FFF2-40B4-BE49-F238E27FC236}">
-                  <a16:creationId xmlns:a16="http://schemas.microsoft.com/office/drawing/2014/main" xmlns="" id="{E5A69EE5-15A0-2A11-E4AE-D7C1E4D11FFB}"/>
+                  <a16:creationId xmlns:a16="http://schemas.microsoft.com/office/drawing/2014/main" id="{E5A69EE5-15A0-2A11-E4AE-D7C1E4D11FFB}"/>
                 </a:ext>
               </a:extLst>
             </p:cNvPr>
@@ -3770,7 +3770,7 @@
             <p:cNvPr id="26" name="TextBox 25">
               <a:extLst>
                 <a:ext uri="{FF2B5EF4-FFF2-40B4-BE49-F238E27FC236}">
-                  <a16:creationId xmlns:a16="http://schemas.microsoft.com/office/drawing/2014/main" xmlns="" id="{4848FB5C-3E3F-503C-5232-E2FD5494C54A}"/>
+                  <a16:creationId xmlns:a16="http://schemas.microsoft.com/office/drawing/2014/main" id="{4848FB5C-3E3F-503C-5232-E2FD5494C54A}"/>
                 </a:ext>
               </a:extLst>
             </p:cNvPr>
@@ -3809,7 +3809,7 @@
           <p:cNvPr id="33" name="Rectangle 32">
             <a:extLst>
               <a:ext uri="{FF2B5EF4-FFF2-40B4-BE49-F238E27FC236}">
-                <a16:creationId xmlns:a16="http://schemas.microsoft.com/office/drawing/2014/main" xmlns="" id="{C246D524-104D-48D9-83A2-433E67F0CA6B}"/>
+                <a16:creationId xmlns:a16="http://schemas.microsoft.com/office/drawing/2014/main" id="{C246D524-104D-48D9-83A2-433E67F0CA6B}"/>
               </a:ext>
             </a:extLst>
           </p:cNvPr>
@@ -3866,7 +3866,7 @@
           <p:cNvPr id="43" name="Rectangle 42">
             <a:extLst>
               <a:ext uri="{FF2B5EF4-FFF2-40B4-BE49-F238E27FC236}">
-                <a16:creationId xmlns:a16="http://schemas.microsoft.com/office/drawing/2014/main" xmlns="" id="{18C20CFF-4BD1-40F4-BFBD-6135A421D18B}"/>
+                <a16:creationId xmlns:a16="http://schemas.microsoft.com/office/drawing/2014/main" id="{18C20CFF-4BD1-40F4-BFBD-6135A421D18B}"/>
               </a:ext>
             </a:extLst>
           </p:cNvPr>
@@ -3907,7 +3907,7 @@
           <p:cNvPr id="40" name="Rectangle 39">
             <a:extLst>
               <a:ext uri="{FF2B5EF4-FFF2-40B4-BE49-F238E27FC236}">
-                <a16:creationId xmlns:a16="http://schemas.microsoft.com/office/drawing/2014/main" xmlns="" id="{18C20CFF-4BD1-40F4-BFBD-6135A421D18B}"/>
+                <a16:creationId xmlns:a16="http://schemas.microsoft.com/office/drawing/2014/main" id="{18C20CFF-4BD1-40F4-BFBD-6135A421D18B}"/>
               </a:ext>
             </a:extLst>
           </p:cNvPr>
@@ -4284,7 +4284,7 @@
             <p:cNvPr id="50" name="Rectangle 49">
               <a:extLst>
                 <a:ext uri="{FF2B5EF4-FFF2-40B4-BE49-F238E27FC236}">
-                  <a16:creationId xmlns:a16="http://schemas.microsoft.com/office/drawing/2014/main" xmlns="" id="{18C20CFF-4BD1-40F4-BFBD-6135A421D18B}"/>
+                  <a16:creationId xmlns:a16="http://schemas.microsoft.com/office/drawing/2014/main" id="{18C20CFF-4BD1-40F4-BFBD-6135A421D18B}"/>
                 </a:ext>
               </a:extLst>
             </p:cNvPr>
@@ -4390,7 +4390,7 @@
             <p:cNvPr id="84" name="Rectangle 83">
               <a:extLst>
                 <a:ext uri="{FF2B5EF4-FFF2-40B4-BE49-F238E27FC236}">
-                  <a16:creationId xmlns:a16="http://schemas.microsoft.com/office/drawing/2014/main" xmlns="" id="{18C20CFF-4BD1-40F4-BFBD-6135A421D18B}"/>
+                  <a16:creationId xmlns:a16="http://schemas.microsoft.com/office/drawing/2014/main" id="{18C20CFF-4BD1-40F4-BFBD-6135A421D18B}"/>
                 </a:ext>
               </a:extLst>
             </p:cNvPr>
@@ -4535,7 +4535,7 @@
             <p:cNvPr id="96" name="Rectangle 95">
               <a:extLst>
                 <a:ext uri="{FF2B5EF4-FFF2-40B4-BE49-F238E27FC236}">
-                  <a16:creationId xmlns:a16="http://schemas.microsoft.com/office/drawing/2014/main" xmlns="" id="{18C20CFF-4BD1-40F4-BFBD-6135A421D18B}"/>
+                  <a16:creationId xmlns:a16="http://schemas.microsoft.com/office/drawing/2014/main" id="{18C20CFF-4BD1-40F4-BFBD-6135A421D18B}"/>
                 </a:ext>
               </a:extLst>
             </p:cNvPr>
@@ -4836,7 +4836,7 @@
               <p:cNvPr id="92" name="Rectangle 91">
                 <a:extLst>
                   <a:ext uri="{FF2B5EF4-FFF2-40B4-BE49-F238E27FC236}">
-                    <a16:creationId xmlns:a16="http://schemas.microsoft.com/office/drawing/2014/main" xmlns="" id="{18C20CFF-4BD1-40F4-BFBD-6135A421D18B}"/>
+                    <a16:creationId xmlns:a16="http://schemas.microsoft.com/office/drawing/2014/main" id="{18C20CFF-4BD1-40F4-BFBD-6135A421D18B}"/>
                   </a:ext>
                 </a:extLst>
               </p:cNvPr>
@@ -4972,10 +4972,10 @@
         </p:nvGrpSpPr>
         <p:grpSpPr>
           <a:xfrm>
-            <a:off x="600" y="40699078"/>
-            <a:ext cx="30274012" cy="2351799"/>
-            <a:chOff x="600" y="40699078"/>
-            <a:chExt cx="30274012" cy="2351799"/>
+            <a:off x="600" y="40747205"/>
+            <a:ext cx="30274012" cy="2247778"/>
+            <a:chOff x="600" y="40747205"/>
+            <a:chExt cx="30274012" cy="2247778"/>
           </a:xfrm>
         </p:grpSpPr>
         <p:sp>
@@ -4983,7 +4983,7 @@
             <p:cNvPr id="4" name="Rectangle 3">
               <a:extLst>
                 <a:ext uri="{FF2B5EF4-FFF2-40B4-BE49-F238E27FC236}">
-                  <a16:creationId xmlns:a16="http://schemas.microsoft.com/office/drawing/2014/main" xmlns="" id="{C246D524-104D-48D9-83A2-433E67F0CA6B}"/>
+                  <a16:creationId xmlns:a16="http://schemas.microsoft.com/office/drawing/2014/main" id="{C246D524-104D-48D9-83A2-433E67F0CA6B}"/>
                 </a:ext>
               </a:extLst>
             </p:cNvPr>
@@ -5040,7 +5040,7 @@
             <p:cNvPr id="37" name="Picture 36">
               <a:extLst>
                 <a:ext uri="{FF2B5EF4-FFF2-40B4-BE49-F238E27FC236}">
-                  <a16:creationId xmlns:a16="http://schemas.microsoft.com/office/drawing/2014/main" xmlns="" id="{82C164FB-8E53-48DB-B177-69EC6445529D}"/>
+                  <a16:creationId xmlns:a16="http://schemas.microsoft.com/office/drawing/2014/main" id="{82C164FB-8E53-48DB-B177-69EC6445529D}"/>
                 </a:ext>
               </a:extLst>
             </p:cNvPr>
@@ -5065,8 +5065,8 @@
           </p:blipFill>
           <p:spPr>
             <a:xfrm>
-              <a:off x="82684" y="41048671"/>
-              <a:ext cx="3214269" cy="1717549"/>
+              <a:off x="179549" y="41248760"/>
+              <a:ext cx="2839817" cy="1517460"/>
             </a:xfrm>
             <a:prstGeom prst="rect">
               <a:avLst/>
@@ -5078,7 +5078,7 @@
             <p:cNvPr id="22" name="Picture 21">
               <a:extLst>
                 <a:ext uri="{FF2B5EF4-FFF2-40B4-BE49-F238E27FC236}">
-                  <a16:creationId xmlns:a16="http://schemas.microsoft.com/office/drawing/2014/main" xmlns="" id="{543CBAB0-8072-4F48-A10B-8E146AEADDBA}"/>
+                  <a16:creationId xmlns:a16="http://schemas.microsoft.com/office/drawing/2014/main" id="{543CBAB0-8072-4F48-A10B-8E146AEADDBA}"/>
                 </a:ext>
               </a:extLst>
             </p:cNvPr>
@@ -5113,8 +5113,8 @@
           </p:blipFill>
           <p:spPr>
             <a:xfrm>
-              <a:off x="3287198" y="41066967"/>
-              <a:ext cx="5603879" cy="1665637"/>
+              <a:off x="3233876" y="41222946"/>
+              <a:ext cx="4950917" cy="1471558"/>
             </a:xfrm>
             <a:prstGeom prst="rect">
               <a:avLst/>
@@ -5126,7 +5126,7 @@
             <p:cNvPr id="51" name="Group 50">
               <a:extLst>
                 <a:ext uri="{FF2B5EF4-FFF2-40B4-BE49-F238E27FC236}">
-                  <a16:creationId xmlns:a16="http://schemas.microsoft.com/office/drawing/2014/main" xmlns="" id="{94FAB7F6-8991-4C01-9DDD-D61865D7B322}"/>
+                  <a16:creationId xmlns:a16="http://schemas.microsoft.com/office/drawing/2014/main" id="{94FAB7F6-8991-4C01-9DDD-D61865D7B322}"/>
                 </a:ext>
               </a:extLst>
             </p:cNvPr>
@@ -5135,10 +5135,10 @@
           </p:nvGrpSpPr>
           <p:grpSpPr>
             <a:xfrm>
-              <a:off x="17269419" y="41002707"/>
-              <a:ext cx="3622530" cy="1737637"/>
-              <a:chOff x="7744012" y="40950188"/>
-              <a:chExt cx="3621724" cy="1737250"/>
+              <a:off x="20660327" y="41002707"/>
+              <a:ext cx="3622511" cy="1737637"/>
+              <a:chOff x="11134162" y="40950188"/>
+              <a:chExt cx="3621705" cy="1737250"/>
             </a:xfrm>
           </p:grpSpPr>
           <p:pic>
@@ -5146,7 +5146,7 @@
               <p:cNvPr id="9" name="Picture 8">
                 <a:extLst>
                   <a:ext uri="{FF2B5EF4-FFF2-40B4-BE49-F238E27FC236}">
-                    <a16:creationId xmlns:a16="http://schemas.microsoft.com/office/drawing/2014/main" xmlns="" id="{545708B5-797C-40B0-A5DC-0B14FF3C9D6A}"/>
+                    <a16:creationId xmlns:a16="http://schemas.microsoft.com/office/drawing/2014/main" id="{545708B5-797C-40B0-A5DC-0B14FF3C9D6A}"/>
                   </a:ext>
                 </a:extLst>
               </p:cNvPr>
@@ -5169,7 +5169,7 @@
             </p:blipFill>
             <p:spPr>
               <a:xfrm>
-                <a:off x="7744012" y="41159305"/>
+                <a:off x="11134162" y="41159305"/>
                 <a:ext cx="305450" cy="305450"/>
               </a:xfrm>
               <a:prstGeom prst="rect">
@@ -5182,7 +5182,7 @@
               <p:cNvPr id="30" name="TextBox 29">
                 <a:extLst>
                   <a:ext uri="{FF2B5EF4-FFF2-40B4-BE49-F238E27FC236}">
-                    <a16:creationId xmlns:a16="http://schemas.microsoft.com/office/drawing/2014/main" xmlns="" id="{948F2B25-9BD0-4B73-B1CA-FD4A76765CC5}"/>
+                    <a16:creationId xmlns:a16="http://schemas.microsoft.com/office/drawing/2014/main" id="{948F2B25-9BD0-4B73-B1CA-FD4A76765CC5}"/>
                   </a:ext>
                 </a:extLst>
               </p:cNvPr>
@@ -5191,7 +5191,7 @@
             </p:nvSpPr>
             <p:spPr>
               <a:xfrm>
-                <a:off x="8163498" y="40950188"/>
+                <a:off x="11553629" y="40950188"/>
                 <a:ext cx="3202238" cy="646331"/>
               </a:xfrm>
               <a:prstGeom prst="rect">
@@ -5235,7 +5235,7 @@
               <p:cNvPr id="20" name="Picture 19">
                 <a:extLst>
                   <a:ext uri="{FF2B5EF4-FFF2-40B4-BE49-F238E27FC236}">
-                    <a16:creationId xmlns:a16="http://schemas.microsoft.com/office/drawing/2014/main" xmlns="" id="{93EE9055-4671-4867-8674-B83BF3EE0BF8}"/>
+                    <a16:creationId xmlns:a16="http://schemas.microsoft.com/office/drawing/2014/main" id="{93EE9055-4671-4867-8674-B83BF3EE0BF8}"/>
                   </a:ext>
                 </a:extLst>
               </p:cNvPr>
@@ -5258,7 +5258,7 @@
             </p:blipFill>
             <p:spPr>
               <a:xfrm>
-                <a:off x="7744012" y="41706703"/>
+                <a:off x="11134162" y="41706703"/>
                 <a:ext cx="305450" cy="305450"/>
               </a:xfrm>
               <a:prstGeom prst="rect">
@@ -5271,7 +5271,7 @@
               <p:cNvPr id="47" name="TextBox 46">
                 <a:extLst>
                   <a:ext uri="{FF2B5EF4-FFF2-40B4-BE49-F238E27FC236}">
-                    <a16:creationId xmlns:a16="http://schemas.microsoft.com/office/drawing/2014/main" xmlns="" id="{AF669C03-398B-42AF-9E8E-6E06C18D8F34}"/>
+                    <a16:creationId xmlns:a16="http://schemas.microsoft.com/office/drawing/2014/main" id="{AF669C03-398B-42AF-9E8E-6E06C18D8F34}"/>
                   </a:ext>
                 </a:extLst>
               </p:cNvPr>
@@ -5280,7 +5280,7 @@
             </p:nvSpPr>
             <p:spPr>
               <a:xfrm>
-                <a:off x="8163358" y="41495647"/>
+                <a:off x="11553492" y="41495647"/>
                 <a:ext cx="1790120" cy="646331"/>
               </a:xfrm>
               <a:prstGeom prst="rect">
@@ -5317,7 +5317,7 @@
               <p:cNvPr id="24" name="Picture 23">
                 <a:extLst>
                   <a:ext uri="{FF2B5EF4-FFF2-40B4-BE49-F238E27FC236}">
-                    <a16:creationId xmlns:a16="http://schemas.microsoft.com/office/drawing/2014/main" xmlns="" id="{D06022DB-DDA2-4B7E-889D-7C51FBC7727E}"/>
+                    <a16:creationId xmlns:a16="http://schemas.microsoft.com/office/drawing/2014/main" id="{D06022DB-DDA2-4B7E-889D-7C51FBC7727E}"/>
                   </a:ext>
                 </a:extLst>
               </p:cNvPr>
@@ -5340,7 +5340,7 @@
             </p:blipFill>
             <p:spPr>
               <a:xfrm>
-                <a:off x="7744012" y="42258991"/>
+                <a:off x="11134162" y="42258991"/>
                 <a:ext cx="305450" cy="305450"/>
               </a:xfrm>
               <a:prstGeom prst="rect">
@@ -5353,7 +5353,7 @@
               <p:cNvPr id="49" name="TextBox 48">
                 <a:extLst>
                   <a:ext uri="{FF2B5EF4-FFF2-40B4-BE49-F238E27FC236}">
-                    <a16:creationId xmlns:a16="http://schemas.microsoft.com/office/drawing/2014/main" xmlns="" id="{7ECA3008-2E8F-4CBB-A810-4363879B4929}"/>
+                    <a16:creationId xmlns:a16="http://schemas.microsoft.com/office/drawing/2014/main" id="{7ECA3008-2E8F-4CBB-A810-4363879B4929}"/>
                   </a:ext>
                 </a:extLst>
               </p:cNvPr>
@@ -5362,7 +5362,7 @@
             </p:nvSpPr>
             <p:spPr>
               <a:xfrm>
-                <a:off x="8163504" y="42041107"/>
+                <a:off x="11553635" y="42041107"/>
                 <a:ext cx="2072236" cy="646331"/>
               </a:xfrm>
               <a:prstGeom prst="rect">
@@ -5435,8 +5435,8 @@
           </p:blipFill>
           <p:spPr>
             <a:xfrm>
-              <a:off x="20404908" y="40699078"/>
-              <a:ext cx="6273524" cy="2351799"/>
+              <a:off x="24090334" y="40747205"/>
+              <a:ext cx="5996044" cy="2247778"/>
             </a:xfrm>
             <a:prstGeom prst="rect">
               <a:avLst/>
@@ -5465,8 +5465,8 @@
           </p:blipFill>
           <p:spPr>
             <a:xfrm>
-              <a:off x="8852944" y="41087727"/>
-              <a:ext cx="8301712" cy="1616770"/>
+              <a:off x="13546554" y="41268394"/>
+              <a:ext cx="6850122" cy="1334071"/>
             </a:xfrm>
             <a:prstGeom prst="rect">
               <a:avLst/>
@@ -5479,7 +5479,7 @@
           <p:cNvPr id="62" name="Rectangle 61">
             <a:extLst>
               <a:ext uri="{FF2B5EF4-FFF2-40B4-BE49-F238E27FC236}">
-                <a16:creationId xmlns:a16="http://schemas.microsoft.com/office/drawing/2014/main" xmlns="" id="{18C20CFF-4BD1-40F4-BFBD-6135A421D18B}"/>
+                <a16:creationId xmlns:a16="http://schemas.microsoft.com/office/drawing/2014/main" id="{18C20CFF-4BD1-40F4-BFBD-6135A421D18B}"/>
               </a:ext>
             </a:extLst>
           </p:cNvPr>
@@ -5652,7 +5652,7 @@
           <p:cNvPr id="66" name="Rectangle 65">
             <a:extLst>
               <a:ext uri="{FF2B5EF4-FFF2-40B4-BE49-F238E27FC236}">
-                <a16:creationId xmlns:a16="http://schemas.microsoft.com/office/drawing/2014/main" xmlns="" id="{18C20CFF-4BD1-40F4-BFBD-6135A421D18B}"/>
+                <a16:creationId xmlns:a16="http://schemas.microsoft.com/office/drawing/2014/main" id="{18C20CFF-4BD1-40F4-BFBD-6135A421D18B}"/>
               </a:ext>
             </a:extLst>
           </p:cNvPr>
@@ -5765,7 +5765,7 @@
           <p:cNvPr id="102" name="Rectangle 101">
             <a:extLst>
               <a:ext uri="{FF2B5EF4-FFF2-40B4-BE49-F238E27FC236}">
-                <a16:creationId xmlns:a16="http://schemas.microsoft.com/office/drawing/2014/main" xmlns="" id="{18C20CFF-4BD1-40F4-BFBD-6135A421D18B}"/>
+                <a16:creationId xmlns:a16="http://schemas.microsoft.com/office/drawing/2014/main" id="{18C20CFF-4BD1-40F4-BFBD-6135A421D18B}"/>
               </a:ext>
             </a:extLst>
           </p:cNvPr>
@@ -6320,7 +6320,7 @@
           <p:cNvPr id="60" name="Rectangle 59">
             <a:extLst>
               <a:ext uri="{FF2B5EF4-FFF2-40B4-BE49-F238E27FC236}">
-                <a16:creationId xmlns:a16="http://schemas.microsoft.com/office/drawing/2014/main" xmlns="" id="{18C20CFF-4BD1-40F4-BFBD-6135A421D18B}"/>
+                <a16:creationId xmlns:a16="http://schemas.microsoft.com/office/drawing/2014/main" id="{18C20CFF-4BD1-40F4-BFBD-6135A421D18B}"/>
               </a:ext>
             </a:extLst>
           </p:cNvPr>
@@ -6434,7 +6434,7 @@
           <p:cNvPr id="61" name="Rectangle 60">
             <a:extLst>
               <a:ext uri="{FF2B5EF4-FFF2-40B4-BE49-F238E27FC236}">
-                <a16:creationId xmlns:a16="http://schemas.microsoft.com/office/drawing/2014/main" xmlns="" id="{18C20CFF-4BD1-40F4-BFBD-6135A421D18B}"/>
+                <a16:creationId xmlns:a16="http://schemas.microsoft.com/office/drawing/2014/main" id="{18C20CFF-4BD1-40F4-BFBD-6135A421D18B}"/>
               </a:ext>
             </a:extLst>
           </p:cNvPr>
@@ -6535,7 +6535,7 @@
           <p:cNvPr id="65" name="Rectangle 64">
             <a:extLst>
               <a:ext uri="{FF2B5EF4-FFF2-40B4-BE49-F238E27FC236}">
-                <a16:creationId xmlns:a16="http://schemas.microsoft.com/office/drawing/2014/main" xmlns="" id="{18C20CFF-4BD1-40F4-BFBD-6135A421D18B}"/>
+                <a16:creationId xmlns:a16="http://schemas.microsoft.com/office/drawing/2014/main" id="{18C20CFF-4BD1-40F4-BFBD-6135A421D18B}"/>
               </a:ext>
             </a:extLst>
           </p:cNvPr>
@@ -6908,7 +6908,7 @@
           <p:cNvPr id="67" name="Rectangle 66">
             <a:extLst>
               <a:ext uri="{FF2B5EF4-FFF2-40B4-BE49-F238E27FC236}">
-                <a16:creationId xmlns:a16="http://schemas.microsoft.com/office/drawing/2014/main" xmlns="" id="{18C20CFF-4BD1-40F4-BFBD-6135A421D18B}"/>
+                <a16:creationId xmlns:a16="http://schemas.microsoft.com/office/drawing/2014/main" id="{18C20CFF-4BD1-40F4-BFBD-6135A421D18B}"/>
               </a:ext>
             </a:extLst>
           </p:cNvPr>
@@ -7154,7 +7154,7 @@
           <p:cNvPr id="68" name="Rectangle 67">
             <a:extLst>
               <a:ext uri="{FF2B5EF4-FFF2-40B4-BE49-F238E27FC236}">
-                <a16:creationId xmlns:a16="http://schemas.microsoft.com/office/drawing/2014/main" xmlns="" id="{18C20CFF-4BD1-40F4-BFBD-6135A421D18B}"/>
+                <a16:creationId xmlns:a16="http://schemas.microsoft.com/office/drawing/2014/main" id="{18C20CFF-4BD1-40F4-BFBD-6135A421D18B}"/>
               </a:ext>
             </a:extLst>
           </p:cNvPr>
@@ -7252,112 +7252,155 @@
       </p:sp>
       <p:grpSp>
         <p:nvGrpSpPr>
-          <p:cNvPr id="5" name="Group 4"/>
+          <p:cNvPr id="17" name="Group 16"/>
           <p:cNvGrpSpPr/>
           <p:nvPr/>
         </p:nvGrpSpPr>
         <p:grpSpPr>
           <a:xfrm>
-            <a:off x="26492813" y="40997850"/>
-            <a:ext cx="3667438" cy="1611495"/>
-            <a:chOff x="26524345" y="40903254"/>
-            <a:chExt cx="3667438" cy="1611495"/>
+            <a:off x="8310158" y="41333171"/>
+            <a:ext cx="5043892" cy="1125584"/>
+            <a:chOff x="8389799" y="41671189"/>
+            <a:chExt cx="4228335" cy="946131"/>
           </a:xfrm>
         </p:grpSpPr>
-        <p:pic>
-          <p:nvPicPr>
-            <p:cNvPr id="1026" name="Picture 2" descr="C:\Users\stell\Downloads\image_2023_07_05T19_24_15_558Z.png"/>
-            <p:cNvPicPr>
-              <a:picLocks noChangeAspect="1" noChangeArrowheads="1"/>
-            </p:cNvPicPr>
+        <p:sp>
+          <p:nvSpPr>
+            <p:cNvPr id="73" name="Rectangle 72"/>
+            <p:cNvSpPr/>
             <p:nvPr/>
-          </p:nvPicPr>
-          <p:blipFill>
-            <a:blip r:embed="rId22">
-              <a:extLst>
-                <a:ext uri="{28A0092B-C50C-407E-A947-70E740481C1C}">
-                  <a14:useLocalDpi xmlns:a14="http://schemas.microsoft.com/office/drawing/2010/main" val="0"/>
-                </a:ext>
-              </a:extLst>
-            </a:blip>
-            <a:srcRect/>
-            <a:stretch>
-              <a:fillRect/>
-            </a:stretch>
-          </p:blipFill>
-          <p:spPr bwMode="auto">
+          </p:nvSpPr>
+          <p:spPr>
             <a:xfrm>
-              <a:off x="26678432" y="41733474"/>
-              <a:ext cx="3457143" cy="781275"/>
+              <a:off x="8389799" y="42386488"/>
+              <a:ext cx="4228335" cy="230832"/>
             </a:xfrm>
             <a:prstGeom prst="rect">
               <a:avLst/>
             </a:prstGeom>
-            <a:noFill/>
-            <a:extLst>
-              <a:ext uri="{909E8E84-426E-40DD-AFC4-6F175D3DCCD1}">
-                <a14:hiddenFill xmlns:a14="http://schemas.microsoft.com/office/drawing/2010/main">
-                  <a:solidFill>
-                    <a:srgbClr val="FFFFFF"/>
-                  </a:solidFill>
-                </a14:hiddenFill>
-              </a:ext>
-            </a:extLst>
-          </p:spPr>
-        </p:pic>
-        <p:sp>
-          <p:nvSpPr>
-            <p:cNvPr id="69" name="TextBox 68">
-              <a:extLst>
-                <a:ext uri="{FF2B5EF4-FFF2-40B4-BE49-F238E27FC236}">
-                  <a16:creationId xmlns:a16="http://schemas.microsoft.com/office/drawing/2014/main" xmlns="" id="{948F2B25-9BD0-4B73-B1CA-FD4A76765CC5}"/>
-                </a:ext>
-              </a:extLst>
-            </p:cNvPr>
-            <p:cNvSpPr txBox="1"/>
-            <p:nvPr/>
-          </p:nvSpPr>
-          <p:spPr>
-            <a:xfrm>
-              <a:off x="26524345" y="40903254"/>
-              <a:ext cx="3667438" cy="698717"/>
-            </a:xfrm>
-            <a:prstGeom prst="rect">
-              <a:avLst/>
-            </a:prstGeom>
-            <a:noFill/>
           </p:spPr>
           <p:txBody>
-            <a:bodyPr wrap="square" rtlCol="0">
+            <a:bodyPr wrap="square">
               <a:spAutoFit/>
             </a:bodyPr>
             <a:lstStyle/>
             <a:p>
-              <a:pPr algn="ctr">
-                <a:lnSpc>
-                  <a:spcPct val="150000"/>
-                </a:lnSpc>
-              </a:pPr>
               <a:r>
-                <a:rPr lang="en-US" sz="1400" b="1" dirty="0" smtClean="0">
+                <a:rPr lang="en-US" sz="900" b="1" dirty="0" smtClean="0">
                   <a:solidFill>
                     <a:schemeClr val="bg1"/>
                   </a:solidFill>
                   <a:latin typeface="Arial" panose="020B0604020202020204" pitchFamily="34" charset="0"/>
                   <a:cs typeface="Arial" panose="020B0604020202020204" pitchFamily="34" charset="0"/>
                 </a:rPr>
-                <a:t>This research has been co-financed by the HORIZON-INFRA-2021-EOSC-01-04:</a:t>
+                <a:t>Horizon Europe </a:t>
               </a:r>
-              <a:endParaRPr lang="en-US" sz="1400" b="1" dirty="0">
+              <a:r>
+                <a:rPr lang="en-US" sz="900" b="1" dirty="0" err="1" smtClean="0">
+                  <a:solidFill>
+                    <a:schemeClr val="bg1"/>
+                  </a:solidFill>
+                  <a:latin typeface="Arial" panose="020B0604020202020204" pitchFamily="34" charset="0"/>
+                  <a:cs typeface="Arial" panose="020B0604020202020204" pitchFamily="34" charset="0"/>
+                </a:rPr>
+                <a:t>Programme</a:t>
+              </a:r>
+              <a:r>
+                <a:rPr lang="en-US" sz="900" b="1" dirty="0" smtClean="0">
+                  <a:solidFill>
+                    <a:schemeClr val="bg1"/>
+                  </a:solidFill>
+                  <a:latin typeface="Arial" panose="020B0604020202020204" pitchFamily="34" charset="0"/>
+                  <a:cs typeface="Arial" panose="020B0604020202020204" pitchFamily="34" charset="0"/>
+                </a:rPr>
+                <a:t>, Grant Agreement Number 101058573</a:t>
+              </a:r>
+              <a:endParaRPr lang="el-GR" sz="900" dirty="0">
                 <a:solidFill>
                   <a:schemeClr val="bg1"/>
                 </a:solidFill>
-                <a:latin typeface="Arial" panose="020B0604020202020204" pitchFamily="34" charset="0"/>
-                <a:cs typeface="Arial" panose="020B0604020202020204" pitchFamily="34" charset="0"/>
               </a:endParaRPr>
             </a:p>
           </p:txBody>
         </p:sp>
+        <p:grpSp>
+          <p:nvGrpSpPr>
+            <p:cNvPr id="75" name="Group 74"/>
+            <p:cNvGrpSpPr/>
+            <p:nvPr/>
+          </p:nvGrpSpPr>
+          <p:grpSpPr>
+            <a:xfrm>
+              <a:off x="8469411" y="41671189"/>
+              <a:ext cx="4052926" cy="673552"/>
+              <a:chOff x="8433081" y="41656803"/>
+              <a:chExt cx="4052926" cy="673552"/>
+            </a:xfrm>
+          </p:grpSpPr>
+          <p:pic>
+            <p:nvPicPr>
+              <p:cNvPr id="79" name="Picture 78"/>
+              <p:cNvPicPr>
+                <a:picLocks noChangeAspect="1"/>
+              </p:cNvPicPr>
+              <p:nvPr/>
+            </p:nvPicPr>
+            <p:blipFill>
+              <a:blip r:embed="rId22"/>
+              <a:stretch>
+                <a:fillRect/>
+              </a:stretch>
+            </p:blipFill>
+            <p:spPr>
+              <a:xfrm>
+                <a:off x="8433081" y="41656803"/>
+                <a:ext cx="4052926" cy="673552"/>
+              </a:xfrm>
+              <a:prstGeom prst="rect">
+                <a:avLst/>
+              </a:prstGeom>
+            </p:spPr>
+          </p:pic>
+          <p:sp>
+            <p:nvSpPr>
+              <p:cNvPr id="85" name="Rectangle 84"/>
+              <p:cNvSpPr/>
+              <p:nvPr/>
+            </p:nvSpPr>
+            <p:spPr>
+              <a:xfrm>
+                <a:off x="9361519" y="41746432"/>
+                <a:ext cx="1640191" cy="430887"/>
+              </a:xfrm>
+              <a:prstGeom prst="rect">
+                <a:avLst/>
+              </a:prstGeom>
+            </p:spPr>
+            <p:txBody>
+              <a:bodyPr wrap="square">
+                <a:spAutoFit/>
+              </a:bodyPr>
+              <a:lstStyle/>
+              <a:p>
+                <a:r>
+                  <a:rPr lang="en-US" sz="1100" b="1" dirty="0" smtClean="0">
+                    <a:solidFill>
+                      <a:schemeClr val="bg1"/>
+                    </a:solidFill>
+                    <a:latin typeface="Arial" panose="020B0604020202020204" pitchFamily="34" charset="0"/>
+                    <a:cs typeface="Arial" panose="020B0604020202020204" pitchFamily="34" charset="0"/>
+                  </a:rPr>
+                  <a:t>Funded by the European Union</a:t>
+                </a:r>
+                <a:endParaRPr lang="el-GR" sz="1100" dirty="0">
+                  <a:solidFill>
+                    <a:schemeClr val="bg1"/>
+                  </a:solidFill>
+                </a:endParaRPr>
+              </a:p>
+            </p:txBody>
+          </p:sp>
+        </p:grpSp>
       </p:grpSp>
     </p:spTree>
     <p:extLst>
@@ -7634,7 +7677,7 @@
   <a:extraClrSchemeLst/>
   <a:extLst>
     <a:ext uri="{05A4C25C-085E-4340-85A3-A5531E510DB2}">
-      <thm15:themeFamily xmlns:thm15="http://schemas.microsoft.com/office/thememl/2012/main" xmlns="" name="Office Theme" id="{62F939B6-93AF-4DB8-9C6B-D6C7DFDC589F}" vid="{4A3C46E8-61CC-4603-A589-7422A47A8E4A}"/>
+      <thm15:themeFamily xmlns:thm15="http://schemas.microsoft.com/office/thememl/2012/main" name="Office Theme" id="{62F939B6-93AF-4DB8-9C6B-D6C7DFDC589F}" vid="{4A3C46E8-61CC-4603-A589-7422A47A8E4A}"/>
     </a:ext>
   </a:extLst>
 </a:theme>
@@ -7929,7 +7972,7 @@
   <a:extraClrSchemeLst/>
   <a:extLst>
     <a:ext uri="{05A4C25C-085E-4340-85A3-A5531E510DB2}">
-      <thm15:themeFamily xmlns:thm15="http://schemas.microsoft.com/office/thememl/2012/main" xmlns="" name="Office Theme" id="{62F939B6-93AF-4DB8-9C6B-D6C7DFDC589F}" vid="{4A3C46E8-61CC-4603-A589-7422A47A8E4A}"/>
+      <thm15:themeFamily xmlns:thm15="http://schemas.microsoft.com/office/thememl/2012/main" name="Office Theme" id="{62F939B6-93AF-4DB8-9C6B-D6C7DFDC589F}" vid="{4A3C46E8-61CC-4603-A589-7422A47A8E4A}"/>
     </a:ext>
   </a:extLst>
 </a:theme>
@@ -8190,7 +8233,7 @@
   <a:extraClrSchemeLst/>
   <a:extLst>
     <a:ext uri="{05A4C25C-085E-4340-85A3-A5531E510DB2}">
-      <thm15:themeFamily xmlns:thm15="http://schemas.microsoft.com/office/thememl/2012/main" xmlns="" name="Office Theme" id="{62F939B6-93AF-4DB8-9C6B-D6C7DFDC589F}" vid="{4A3C46E8-61CC-4603-A589-7422A47A8E4A}"/>
+      <thm15:themeFamily xmlns:thm15="http://schemas.microsoft.com/office/thememl/2012/main" name="Office Theme" id="{62F939B6-93AF-4DB8-9C6B-D6C7DFDC589F}" vid="{4A3C46E8-61CC-4603-A589-7422A47A8E4A}"/>
     </a:ext>
   </a:extLst>
 </a:theme>

--- a/ISMBECCB2023_1226_Fragkouli_poster.pptx
+++ b/ISMBECCB2023_1226_Fragkouli_poster.pptx
@@ -4964,83 +4964,175 @@
           </p:style>
         </p:cxnSp>
       </p:grpSp>
+      <p:sp>
+        <p:nvSpPr>
+          <p:cNvPr id="4" name="Rectangle 3">
+            <a:extLst>
+              <a:ext uri="{FF2B5EF4-FFF2-40B4-BE49-F238E27FC236}">
+                <a16:creationId xmlns:a16="http://schemas.microsoft.com/office/drawing/2014/main" id="{C246D524-104D-48D9-83A2-433E67F0CA6B}"/>
+              </a:ext>
+            </a:extLst>
+          </p:cNvPr>
+          <p:cNvSpPr/>
+          <p:nvPr/>
+        </p:nvSpPr>
+        <p:spPr>
+          <a:xfrm>
+            <a:off x="600" y="40855143"/>
+            <a:ext cx="30274012" cy="2131540"/>
+          </a:xfrm>
+          <a:prstGeom prst="rect">
+            <a:avLst/>
+          </a:prstGeom>
+          <a:solidFill>
+            <a:srgbClr val="224E59">
+              <a:alpha val="90000"/>
+            </a:srgbClr>
+          </a:solidFill>
+          <a:ln>
+            <a:noFill/>
+          </a:ln>
+        </p:spPr>
+        <p:style>
+          <a:lnRef idx="2">
+            <a:schemeClr val="accent1">
+              <a:shade val="50000"/>
+            </a:schemeClr>
+          </a:lnRef>
+          <a:fillRef idx="1">
+            <a:schemeClr val="accent1"/>
+          </a:fillRef>
+          <a:effectRef idx="0">
+            <a:schemeClr val="accent1"/>
+          </a:effectRef>
+          <a:fontRef idx="minor">
+            <a:schemeClr val="lt1"/>
+          </a:fontRef>
+        </p:style>
+        <p:txBody>
+          <a:bodyPr rtlCol="0" anchor="ctr"/>
+          <a:lstStyle/>
+          <a:p>
+            <a:pPr algn="ctr"/>
+            <a:endParaRPr lang="en-US">
+              <a:latin typeface="Arial" panose="020B0604020202020204" pitchFamily="34" charset="0"/>
+              <a:cs typeface="Arial" panose="020B0604020202020204" pitchFamily="34" charset="0"/>
+            </a:endParaRPr>
+          </a:p>
+        </p:txBody>
+      </p:sp>
+      <p:pic>
+        <p:nvPicPr>
+          <p:cNvPr id="37" name="Picture 36">
+            <a:extLst>
+              <a:ext uri="{FF2B5EF4-FFF2-40B4-BE49-F238E27FC236}">
+                <a16:creationId xmlns:a16="http://schemas.microsoft.com/office/drawing/2014/main" id="{82C164FB-8E53-48DB-B177-69EC6445529D}"/>
+              </a:ext>
+            </a:extLst>
+          </p:cNvPr>
+          <p:cNvPicPr>
+            <a:picLocks noChangeAspect="1"/>
+          </p:cNvPicPr>
+          <p:nvPr/>
+        </p:nvPicPr>
+        <p:blipFill rotWithShape="1">
+          <a:blip r:embed="rId6" cstate="print">
+            <a:extLst>
+              <a:ext uri="{28A0092B-C50C-407E-A947-70E740481C1C}">
+                <a14:useLocalDpi xmlns:a14="http://schemas.microsoft.com/office/drawing/2010/main" val="0"/>
+              </a:ext>
+              <a:ext uri="{96DAC541-7B7A-43D3-8B79-37D633B846F1}">
+                <asvg:svgBlip xmlns:asvg="http://schemas.microsoft.com/office/drawing/2016/SVG/main" xmlns="" r:embed="rId12"/>
+              </a:ext>
+            </a:extLst>
+          </a:blip>
+          <a:srcRect l="9637" t="14247" r="13656" b="44764"/>
+          <a:stretch/>
+        </p:blipFill>
+        <p:spPr>
+          <a:xfrm>
+            <a:off x="22111411" y="41227422"/>
+            <a:ext cx="2839817" cy="1517460"/>
+          </a:xfrm>
+          <a:prstGeom prst="rect">
+            <a:avLst/>
+          </a:prstGeom>
+        </p:spPr>
+      </p:pic>
+      <p:pic>
+        <p:nvPicPr>
+          <p:cNvPr id="22" name="Picture 21">
+            <a:extLst>
+              <a:ext uri="{FF2B5EF4-FFF2-40B4-BE49-F238E27FC236}">
+                <a16:creationId xmlns:a16="http://schemas.microsoft.com/office/drawing/2014/main" id="{543CBAB0-8072-4F48-A10B-8E146AEADDBA}"/>
+              </a:ext>
+            </a:extLst>
+          </p:cNvPr>
+          <p:cNvPicPr>
+            <a:picLocks noChangeAspect="1"/>
+          </p:cNvPicPr>
+          <p:nvPr/>
+        </p:nvPicPr>
+        <p:blipFill rotWithShape="1">
+          <a:blip r:embed="rId13" cstate="print">
+            <a:biLevel thresh="25000"/>
+            <a:extLst>
+              <a:ext uri="{BEBA8EAE-BF5A-486C-A8C5-ECC9F3942E4B}">
+                <a14:imgProps xmlns:a14="http://schemas.microsoft.com/office/drawing/2010/main">
+                  <a14:imgLayer r:embed="rId14">
+                    <a14:imgEffect>
+                      <a14:artisticPhotocopy/>
+                    </a14:imgEffect>
+                    <a14:imgEffect>
+                      <a14:sharpenSoften amount="50000"/>
+                    </a14:imgEffect>
+                  </a14:imgLayer>
+                </a14:imgProps>
+              </a:ext>
+              <a:ext uri="{28A0092B-C50C-407E-A947-70E740481C1C}">
+                <a14:useLocalDpi xmlns:a14="http://schemas.microsoft.com/office/drawing/2010/main" val="0"/>
+              </a:ext>
+            </a:extLst>
+          </a:blip>
+          <a:srcRect l="3668" t="37768" r="2938" b="34472"/>
+          <a:stretch/>
+        </p:blipFill>
+        <p:spPr>
+          <a:xfrm>
+            <a:off x="17098122" y="41250373"/>
+            <a:ext cx="4950917" cy="1471558"/>
+          </a:xfrm>
+          <a:prstGeom prst="rect">
+            <a:avLst/>
+          </a:prstGeom>
+        </p:spPr>
+      </p:pic>
       <p:grpSp>
         <p:nvGrpSpPr>
-          <p:cNvPr id="2" name="Group 1"/>
+          <p:cNvPr id="51" name="Group 50">
+            <a:extLst>
+              <a:ext uri="{FF2B5EF4-FFF2-40B4-BE49-F238E27FC236}">
+                <a16:creationId xmlns:a16="http://schemas.microsoft.com/office/drawing/2014/main" id="{94FAB7F6-8991-4C01-9DDD-D61865D7B322}"/>
+              </a:ext>
+            </a:extLst>
+          </p:cNvPr>
           <p:cNvGrpSpPr/>
           <p:nvPr/>
         </p:nvGrpSpPr>
         <p:grpSpPr>
           <a:xfrm>
-            <a:off x="600" y="40747205"/>
-            <a:ext cx="30274012" cy="2247778"/>
-            <a:chOff x="600" y="40747205"/>
-            <a:chExt cx="30274012" cy="2247778"/>
+            <a:off x="333552" y="41117328"/>
+            <a:ext cx="3622511" cy="1737648"/>
+            <a:chOff x="11134162" y="40950177"/>
+            <a:chExt cx="3621705" cy="1737261"/>
           </a:xfrm>
         </p:grpSpPr>
-        <p:sp>
-          <p:nvSpPr>
-            <p:cNvPr id="4" name="Rectangle 3">
+        <p:pic>
+          <p:nvPicPr>
+            <p:cNvPr id="9" name="Picture 8">
               <a:extLst>
                 <a:ext uri="{FF2B5EF4-FFF2-40B4-BE49-F238E27FC236}">
-                  <a16:creationId xmlns:a16="http://schemas.microsoft.com/office/drawing/2014/main" id="{C246D524-104D-48D9-83A2-433E67F0CA6B}"/>
-                </a:ext>
-              </a:extLst>
-            </p:cNvPr>
-            <p:cNvSpPr/>
-            <p:nvPr/>
-          </p:nvSpPr>
-          <p:spPr>
-            <a:xfrm>
-              <a:off x="600" y="40855143"/>
-              <a:ext cx="30274012" cy="2131540"/>
-            </a:xfrm>
-            <a:prstGeom prst="rect">
-              <a:avLst/>
-            </a:prstGeom>
-            <a:solidFill>
-              <a:srgbClr val="224E59">
-                <a:alpha val="90000"/>
-              </a:srgbClr>
-            </a:solidFill>
-            <a:ln>
-              <a:noFill/>
-            </a:ln>
-          </p:spPr>
-          <p:style>
-            <a:lnRef idx="2">
-              <a:schemeClr val="accent1">
-                <a:shade val="50000"/>
-              </a:schemeClr>
-            </a:lnRef>
-            <a:fillRef idx="1">
-              <a:schemeClr val="accent1"/>
-            </a:fillRef>
-            <a:effectRef idx="0">
-              <a:schemeClr val="accent1"/>
-            </a:effectRef>
-            <a:fontRef idx="minor">
-              <a:schemeClr val="lt1"/>
-            </a:fontRef>
-          </p:style>
-          <p:txBody>
-            <a:bodyPr rtlCol="0" anchor="ctr"/>
-            <a:lstStyle/>
-            <a:p>
-              <a:pPr algn="ctr"/>
-              <a:endParaRPr lang="en-US">
-                <a:latin typeface="Arial" panose="020B0604020202020204" pitchFamily="34" charset="0"/>
-                <a:cs typeface="Arial" panose="020B0604020202020204" pitchFamily="34" charset="0"/>
-              </a:endParaRPr>
-            </a:p>
-          </p:txBody>
-        </p:sp>
-        <p:pic>
-          <p:nvPicPr>
-            <p:cNvPr id="37" name="Picture 36">
-              <a:extLst>
-                <a:ext uri="{FF2B5EF4-FFF2-40B4-BE49-F238E27FC236}">
-                  <a16:creationId xmlns:a16="http://schemas.microsoft.com/office/drawing/2014/main" id="{82C164FB-8E53-48DB-B177-69EC6445529D}"/>
+                  <a16:creationId xmlns:a16="http://schemas.microsoft.com/office/drawing/2014/main" id="{545708B5-797C-40B0-A5DC-0B14FF3C9D6A}"/>
                 </a:ext>
               </a:extLst>
             </p:cNvPr>
@@ -5049,380 +5141,8 @@
             </p:cNvPicPr>
             <p:nvPr/>
           </p:nvPicPr>
-          <p:blipFill rotWithShape="1">
-            <a:blip r:embed="rId6" cstate="print">
-              <a:extLst>
-                <a:ext uri="{28A0092B-C50C-407E-A947-70E740481C1C}">
-                  <a14:useLocalDpi xmlns:a14="http://schemas.microsoft.com/office/drawing/2010/main" val="0"/>
-                </a:ext>
-                <a:ext uri="{96DAC541-7B7A-43D3-8B79-37D633B846F1}">
-                  <asvg:svgBlip xmlns="" xmlns:asvg="http://schemas.microsoft.com/office/drawing/2016/SVG/main" r:embed="rId12"/>
-                </a:ext>
-              </a:extLst>
-            </a:blip>
-            <a:srcRect l="9637" t="14247" r="13656" b="44764"/>
-            <a:stretch/>
-          </p:blipFill>
-          <p:spPr>
-            <a:xfrm>
-              <a:off x="179549" y="41248760"/>
-              <a:ext cx="2839817" cy="1517460"/>
-            </a:xfrm>
-            <a:prstGeom prst="rect">
-              <a:avLst/>
-            </a:prstGeom>
-          </p:spPr>
-        </p:pic>
-        <p:pic>
-          <p:nvPicPr>
-            <p:cNvPr id="22" name="Picture 21">
-              <a:extLst>
-                <a:ext uri="{FF2B5EF4-FFF2-40B4-BE49-F238E27FC236}">
-                  <a16:creationId xmlns:a16="http://schemas.microsoft.com/office/drawing/2014/main" id="{543CBAB0-8072-4F48-A10B-8E146AEADDBA}"/>
-                </a:ext>
-              </a:extLst>
-            </p:cNvPr>
-            <p:cNvPicPr>
-              <a:picLocks noChangeAspect="1"/>
-            </p:cNvPicPr>
-            <p:nvPr/>
-          </p:nvPicPr>
-          <p:blipFill rotWithShape="1">
-            <a:blip r:embed="rId13" cstate="print">
-              <a:biLevel thresh="25000"/>
-              <a:extLst>
-                <a:ext uri="{BEBA8EAE-BF5A-486C-A8C5-ECC9F3942E4B}">
-                  <a14:imgProps xmlns:a14="http://schemas.microsoft.com/office/drawing/2010/main">
-                    <a14:imgLayer r:embed="rId14">
-                      <a14:imgEffect>
-                        <a14:artisticPhotocopy/>
-                      </a14:imgEffect>
-                      <a14:imgEffect>
-                        <a14:sharpenSoften amount="50000"/>
-                      </a14:imgEffect>
-                    </a14:imgLayer>
-                  </a14:imgProps>
-                </a:ext>
-                <a:ext uri="{28A0092B-C50C-407E-A947-70E740481C1C}">
-                  <a14:useLocalDpi xmlns:a14="http://schemas.microsoft.com/office/drawing/2010/main" val="0"/>
-                </a:ext>
-              </a:extLst>
-            </a:blip>
-            <a:srcRect l="3668" t="37768" r="2938" b="34472"/>
-            <a:stretch/>
-          </p:blipFill>
-          <p:spPr>
-            <a:xfrm>
-              <a:off x="3233876" y="41222946"/>
-              <a:ext cx="4950917" cy="1471558"/>
-            </a:xfrm>
-            <a:prstGeom prst="rect">
-              <a:avLst/>
-            </a:prstGeom>
-          </p:spPr>
-        </p:pic>
-        <p:grpSp>
-          <p:nvGrpSpPr>
-            <p:cNvPr id="51" name="Group 50">
-              <a:extLst>
-                <a:ext uri="{FF2B5EF4-FFF2-40B4-BE49-F238E27FC236}">
-                  <a16:creationId xmlns:a16="http://schemas.microsoft.com/office/drawing/2014/main" id="{94FAB7F6-8991-4C01-9DDD-D61865D7B322}"/>
-                </a:ext>
-              </a:extLst>
-            </p:cNvPr>
-            <p:cNvGrpSpPr/>
-            <p:nvPr/>
-          </p:nvGrpSpPr>
-          <p:grpSpPr>
-            <a:xfrm>
-              <a:off x="20660327" y="41002707"/>
-              <a:ext cx="3622511" cy="1737637"/>
-              <a:chOff x="11134162" y="40950188"/>
-              <a:chExt cx="3621705" cy="1737250"/>
-            </a:xfrm>
-          </p:grpSpPr>
-          <p:pic>
-            <p:nvPicPr>
-              <p:cNvPr id="9" name="Picture 8">
-                <a:extLst>
-                  <a:ext uri="{FF2B5EF4-FFF2-40B4-BE49-F238E27FC236}">
-                    <a16:creationId xmlns:a16="http://schemas.microsoft.com/office/drawing/2014/main" id="{545708B5-797C-40B0-A5DC-0B14FF3C9D6A}"/>
-                  </a:ext>
-                </a:extLst>
-              </p:cNvPr>
-              <p:cNvPicPr>
-                <a:picLocks noChangeAspect="1"/>
-              </p:cNvPicPr>
-              <p:nvPr/>
-            </p:nvPicPr>
-            <p:blipFill>
-              <a:blip r:embed="rId15" cstate="print">
-                <a:extLst>
-                  <a:ext uri="{28A0092B-C50C-407E-A947-70E740481C1C}">
-                    <a14:useLocalDpi xmlns:a14="http://schemas.microsoft.com/office/drawing/2010/main" val="0"/>
-                  </a:ext>
-                </a:extLst>
-              </a:blip>
-              <a:stretch>
-                <a:fillRect/>
-              </a:stretch>
-            </p:blipFill>
-            <p:spPr>
-              <a:xfrm>
-                <a:off x="11134162" y="41159305"/>
-                <a:ext cx="305450" cy="305450"/>
-              </a:xfrm>
-              <a:prstGeom prst="rect">
-                <a:avLst/>
-              </a:prstGeom>
-            </p:spPr>
-          </p:pic>
-          <p:sp>
-            <p:nvSpPr>
-              <p:cNvPr id="30" name="TextBox 29">
-                <a:extLst>
-                  <a:ext uri="{FF2B5EF4-FFF2-40B4-BE49-F238E27FC236}">
-                    <a16:creationId xmlns:a16="http://schemas.microsoft.com/office/drawing/2014/main" id="{948F2B25-9BD0-4B73-B1CA-FD4A76765CC5}"/>
-                  </a:ext>
-                </a:extLst>
-              </p:cNvPr>
-              <p:cNvSpPr txBox="1"/>
-              <p:nvPr/>
-            </p:nvSpPr>
-            <p:spPr>
-              <a:xfrm>
-                <a:off x="11553629" y="40950188"/>
-                <a:ext cx="3202238" cy="646331"/>
-              </a:xfrm>
-              <a:prstGeom prst="rect">
-                <a:avLst/>
-              </a:prstGeom>
-              <a:noFill/>
-            </p:spPr>
-            <p:txBody>
-              <a:bodyPr wrap="square" rtlCol="0">
-                <a:spAutoFit/>
-              </a:bodyPr>
-              <a:lstStyle/>
-              <a:p>
-                <a:pPr>
-                  <a:lnSpc>
-                    <a:spcPct val="150000"/>
-                  </a:lnSpc>
-                </a:pPr>
-                <a:r>
-                  <a:rPr lang="en-US" sz="2400" b="1" i="1" dirty="0" smtClean="0">
-                    <a:solidFill>
-                      <a:schemeClr val="bg1"/>
-                    </a:solidFill>
-                    <a:latin typeface="Arial" panose="020B0604020202020204" pitchFamily="34" charset="0"/>
-                    <a:cs typeface="Arial" panose="020B0604020202020204" pitchFamily="34" charset="0"/>
-                  </a:rPr>
-                  <a:t>sfragkoul@certh.gr</a:t>
-                </a:r>
-                <a:endParaRPr lang="en-US" sz="2400" b="1" i="1" dirty="0">
-                  <a:solidFill>
-                    <a:schemeClr val="bg1"/>
-                  </a:solidFill>
-                  <a:latin typeface="Arial" panose="020B0604020202020204" pitchFamily="34" charset="0"/>
-                  <a:cs typeface="Arial" panose="020B0604020202020204" pitchFamily="34" charset="0"/>
-                </a:endParaRPr>
-              </a:p>
-            </p:txBody>
-          </p:sp>
-          <p:pic>
-            <p:nvPicPr>
-              <p:cNvPr id="20" name="Picture 19">
-                <a:extLst>
-                  <a:ext uri="{FF2B5EF4-FFF2-40B4-BE49-F238E27FC236}">
-                    <a16:creationId xmlns:a16="http://schemas.microsoft.com/office/drawing/2014/main" id="{93EE9055-4671-4867-8674-B83BF3EE0BF8}"/>
-                  </a:ext>
-                </a:extLst>
-              </p:cNvPr>
-              <p:cNvPicPr>
-                <a:picLocks noChangeAspect="1"/>
-              </p:cNvPicPr>
-              <p:nvPr/>
-            </p:nvPicPr>
-            <p:blipFill>
-              <a:blip r:embed="rId16" cstate="print">
-                <a:extLst>
-                  <a:ext uri="{28A0092B-C50C-407E-A947-70E740481C1C}">
-                    <a14:useLocalDpi xmlns:a14="http://schemas.microsoft.com/office/drawing/2010/main" val="0"/>
-                  </a:ext>
-                </a:extLst>
-              </a:blip>
-              <a:stretch>
-                <a:fillRect/>
-              </a:stretch>
-            </p:blipFill>
-            <p:spPr>
-              <a:xfrm>
-                <a:off x="11134162" y="41706703"/>
-                <a:ext cx="305450" cy="305450"/>
-              </a:xfrm>
-              <a:prstGeom prst="rect">
-                <a:avLst/>
-              </a:prstGeom>
-            </p:spPr>
-          </p:pic>
-          <p:sp>
-            <p:nvSpPr>
-              <p:cNvPr id="47" name="TextBox 46">
-                <a:extLst>
-                  <a:ext uri="{FF2B5EF4-FFF2-40B4-BE49-F238E27FC236}">
-                    <a16:creationId xmlns:a16="http://schemas.microsoft.com/office/drawing/2014/main" id="{AF669C03-398B-42AF-9E8E-6E06C18D8F34}"/>
-                  </a:ext>
-                </a:extLst>
-              </p:cNvPr>
-              <p:cNvSpPr txBox="1"/>
-              <p:nvPr/>
-            </p:nvSpPr>
-            <p:spPr>
-              <a:xfrm>
-                <a:off x="11553492" y="41495647"/>
-                <a:ext cx="1790120" cy="646331"/>
-              </a:xfrm>
-              <a:prstGeom prst="rect">
-                <a:avLst/>
-              </a:prstGeom>
-              <a:noFill/>
-            </p:spPr>
-            <p:txBody>
-              <a:bodyPr wrap="square" rtlCol="0">
-                <a:spAutoFit/>
-              </a:bodyPr>
-              <a:lstStyle/>
-              <a:p>
-                <a:pPr>
-                  <a:lnSpc>
-                    <a:spcPct val="150000"/>
-                  </a:lnSpc>
-                </a:pPr>
-                <a:r>
-                  <a:rPr lang="en-US" sz="2400" b="1" i="1" dirty="0">
-                    <a:solidFill>
-                      <a:schemeClr val="bg1"/>
-                    </a:solidFill>
-                    <a:latin typeface="Arial" panose="020B0604020202020204" pitchFamily="34" charset="0"/>
-                    <a:cs typeface="Arial" panose="020B0604020202020204" pitchFamily="34" charset="0"/>
-                  </a:rPr>
-                  <a:t>sfragkoul</a:t>
-                </a:r>
-              </a:p>
-            </p:txBody>
-          </p:sp>
-          <p:pic>
-            <p:nvPicPr>
-              <p:cNvPr id="24" name="Picture 23">
-                <a:extLst>
-                  <a:ext uri="{FF2B5EF4-FFF2-40B4-BE49-F238E27FC236}">
-                    <a16:creationId xmlns:a16="http://schemas.microsoft.com/office/drawing/2014/main" id="{D06022DB-DDA2-4B7E-889D-7C51FBC7727E}"/>
-                  </a:ext>
-                </a:extLst>
-              </p:cNvPr>
-              <p:cNvPicPr>
-                <a:picLocks noChangeAspect="1"/>
-              </p:cNvPicPr>
-              <p:nvPr/>
-            </p:nvPicPr>
-            <p:blipFill>
-              <a:blip r:embed="rId17" cstate="print">
-                <a:extLst>
-                  <a:ext uri="{28A0092B-C50C-407E-A947-70E740481C1C}">
-                    <a14:useLocalDpi xmlns:a14="http://schemas.microsoft.com/office/drawing/2010/main" val="0"/>
-                  </a:ext>
-                </a:extLst>
-              </a:blip>
-              <a:stretch>
-                <a:fillRect/>
-              </a:stretch>
-            </p:blipFill>
-            <p:spPr>
-              <a:xfrm>
-                <a:off x="11134162" y="42258991"/>
-                <a:ext cx="305450" cy="305450"/>
-              </a:xfrm>
-              <a:prstGeom prst="rect">
-                <a:avLst/>
-              </a:prstGeom>
-            </p:spPr>
-          </p:pic>
-          <p:sp>
-            <p:nvSpPr>
-              <p:cNvPr id="49" name="TextBox 48">
-                <a:extLst>
-                  <a:ext uri="{FF2B5EF4-FFF2-40B4-BE49-F238E27FC236}">
-                    <a16:creationId xmlns:a16="http://schemas.microsoft.com/office/drawing/2014/main" id="{7ECA3008-2E8F-4CBB-A810-4363879B4929}"/>
-                  </a:ext>
-                </a:extLst>
-              </p:cNvPr>
-              <p:cNvSpPr txBox="1"/>
-              <p:nvPr/>
-            </p:nvSpPr>
-            <p:spPr>
-              <a:xfrm>
-                <a:off x="11553635" y="42041107"/>
-                <a:ext cx="2072236" cy="646331"/>
-              </a:xfrm>
-              <a:prstGeom prst="rect">
-                <a:avLst/>
-              </a:prstGeom>
-              <a:noFill/>
-            </p:spPr>
-            <p:txBody>
-              <a:bodyPr wrap="square" rtlCol="0">
-                <a:spAutoFit/>
-              </a:bodyPr>
-              <a:lstStyle/>
-              <a:p>
-                <a:pPr>
-                  <a:lnSpc>
-                    <a:spcPct val="150000"/>
-                  </a:lnSpc>
-                </a:pPr>
-                <a:r>
-                  <a:rPr lang="en-US" sz="2400" b="1" i="1" dirty="0">
-                    <a:solidFill>
-                      <a:schemeClr val="bg1"/>
-                    </a:solidFill>
-                    <a:latin typeface="Arial" panose="020B0604020202020204" pitchFamily="34" charset="0"/>
-                    <a:cs typeface="Arial" panose="020B0604020202020204" pitchFamily="34" charset="0"/>
-                  </a:rPr>
-                  <a:t>@</a:t>
-                </a:r>
-                <a:r>
-                  <a:rPr lang="en-US" sz="2400" b="1" i="1" dirty="0" err="1">
-                    <a:solidFill>
-                      <a:schemeClr val="bg1"/>
-                    </a:solidFill>
-                    <a:latin typeface="Arial" panose="020B0604020202020204" pitchFamily="34" charset="0"/>
-                    <a:cs typeface="Arial" panose="020B0604020202020204" pitchFamily="34" charset="0"/>
-                  </a:rPr>
-                  <a:t>scfragkoul</a:t>
-                </a:r>
-                <a:endParaRPr lang="en-US" sz="2400" b="1" i="1" dirty="0">
-                  <a:solidFill>
-                    <a:schemeClr val="bg1"/>
-                  </a:solidFill>
-                  <a:latin typeface="Arial" panose="020B0604020202020204" pitchFamily="34" charset="0"/>
-                  <a:cs typeface="Arial" panose="020B0604020202020204" pitchFamily="34" charset="0"/>
-                </a:endParaRPr>
-              </a:p>
-            </p:txBody>
-          </p:sp>
-        </p:grpSp>
-        <p:pic>
-          <p:nvPicPr>
-            <p:cNvPr id="3" name="Picture 2"/>
-            <p:cNvPicPr>
-              <a:picLocks noChangeAspect="1"/>
-            </p:cNvPicPr>
-            <p:nvPr/>
-          </p:nvPicPr>
           <p:blipFill>
-            <a:blip r:embed="rId18" cstate="hqprint">
-              <a:biLevel thresh="25000"/>
+            <a:blip r:embed="rId15" cstate="print">
               <a:extLst>
                 <a:ext uri="{28A0092B-C50C-407E-A947-70E740481C1C}">
                   <a14:useLocalDpi xmlns:a14="http://schemas.microsoft.com/office/drawing/2010/main" val="0"/>
@@ -5435,24 +5155,83 @@
           </p:blipFill>
           <p:spPr>
             <a:xfrm>
-              <a:off x="24090334" y="40747205"/>
-              <a:ext cx="5996044" cy="2247778"/>
+              <a:off x="11134162" y="41159305"/>
+              <a:ext cx="305450" cy="305450"/>
             </a:xfrm>
             <a:prstGeom prst="rect">
               <a:avLst/>
             </a:prstGeom>
           </p:spPr>
         </p:pic>
+        <p:sp>
+          <p:nvSpPr>
+            <p:cNvPr id="30" name="TextBox 29">
+              <a:extLst>
+                <a:ext uri="{FF2B5EF4-FFF2-40B4-BE49-F238E27FC236}">
+                  <a16:creationId xmlns:a16="http://schemas.microsoft.com/office/drawing/2014/main" id="{948F2B25-9BD0-4B73-B1CA-FD4A76765CC5}"/>
+                </a:ext>
+              </a:extLst>
+            </p:cNvPr>
+            <p:cNvSpPr txBox="1"/>
+            <p:nvPr/>
+          </p:nvSpPr>
+          <p:spPr>
+            <a:xfrm>
+              <a:off x="11553629" y="40950177"/>
+              <a:ext cx="3202238" cy="646331"/>
+            </a:xfrm>
+            <a:prstGeom prst="rect">
+              <a:avLst/>
+            </a:prstGeom>
+            <a:noFill/>
+          </p:spPr>
+          <p:txBody>
+            <a:bodyPr wrap="square" rtlCol="0">
+              <a:spAutoFit/>
+            </a:bodyPr>
+            <a:lstStyle/>
+            <a:p>
+              <a:pPr>
+                <a:lnSpc>
+                  <a:spcPct val="150000"/>
+                </a:lnSpc>
+              </a:pPr>
+              <a:r>
+                <a:rPr lang="en-US" sz="2400" b="1" i="1" dirty="0" smtClean="0">
+                  <a:solidFill>
+                    <a:schemeClr val="bg1"/>
+                  </a:solidFill>
+                  <a:latin typeface="Arial" panose="020B0604020202020204" pitchFamily="34" charset="0"/>
+                  <a:cs typeface="Arial" panose="020B0604020202020204" pitchFamily="34" charset="0"/>
+                </a:rPr>
+                <a:t>sfragkoul@certh.gr</a:t>
+              </a:r>
+              <a:endParaRPr lang="en-US" sz="2400" b="1" i="1" dirty="0">
+                <a:solidFill>
+                  <a:schemeClr val="bg1"/>
+                </a:solidFill>
+                <a:latin typeface="Arial" panose="020B0604020202020204" pitchFamily="34" charset="0"/>
+                <a:cs typeface="Arial" panose="020B0604020202020204" pitchFamily="34" charset="0"/>
+              </a:endParaRPr>
+            </a:p>
+          </p:txBody>
+        </p:sp>
         <p:pic>
           <p:nvPicPr>
-            <p:cNvPr id="12" name="Picture 11"/>
+            <p:cNvPr id="20" name="Picture 19">
+              <a:extLst>
+                <a:ext uri="{FF2B5EF4-FFF2-40B4-BE49-F238E27FC236}">
+                  <a16:creationId xmlns:a16="http://schemas.microsoft.com/office/drawing/2014/main" id="{93EE9055-4671-4867-8674-B83BF3EE0BF8}"/>
+                </a:ext>
+              </a:extLst>
+            </p:cNvPr>
             <p:cNvPicPr>
               <a:picLocks noChangeAspect="1"/>
             </p:cNvPicPr>
             <p:nvPr/>
           </p:nvPicPr>
           <p:blipFill>
-            <a:blip r:embed="rId19">
+            <a:blip r:embed="rId16" cstate="print">
               <a:extLst>
                 <a:ext uri="{28A0092B-C50C-407E-A947-70E740481C1C}">
                   <a14:useLocalDpi xmlns:a14="http://schemas.microsoft.com/office/drawing/2010/main" val="0"/>
@@ -5465,15 +5244,221 @@
           </p:blipFill>
           <p:spPr>
             <a:xfrm>
-              <a:off x="13546554" y="41268394"/>
-              <a:ext cx="6850122" cy="1334071"/>
+              <a:off x="11134162" y="41706703"/>
+              <a:ext cx="305450" cy="305450"/>
             </a:xfrm>
             <a:prstGeom prst="rect">
               <a:avLst/>
             </a:prstGeom>
           </p:spPr>
         </p:pic>
+        <p:sp>
+          <p:nvSpPr>
+            <p:cNvPr id="47" name="TextBox 46">
+              <a:extLst>
+                <a:ext uri="{FF2B5EF4-FFF2-40B4-BE49-F238E27FC236}">
+                  <a16:creationId xmlns:a16="http://schemas.microsoft.com/office/drawing/2014/main" id="{AF669C03-398B-42AF-9E8E-6E06C18D8F34}"/>
+                </a:ext>
+              </a:extLst>
+            </p:cNvPr>
+            <p:cNvSpPr txBox="1"/>
+            <p:nvPr/>
+          </p:nvSpPr>
+          <p:spPr>
+            <a:xfrm>
+              <a:off x="11553492" y="41495647"/>
+              <a:ext cx="1790120" cy="646331"/>
+            </a:xfrm>
+            <a:prstGeom prst="rect">
+              <a:avLst/>
+            </a:prstGeom>
+            <a:noFill/>
+          </p:spPr>
+          <p:txBody>
+            <a:bodyPr wrap="square" rtlCol="0">
+              <a:spAutoFit/>
+            </a:bodyPr>
+            <a:lstStyle/>
+            <a:p>
+              <a:pPr>
+                <a:lnSpc>
+                  <a:spcPct val="150000"/>
+                </a:lnSpc>
+              </a:pPr>
+              <a:r>
+                <a:rPr lang="en-US" sz="2400" b="1" i="1" dirty="0">
+                  <a:solidFill>
+                    <a:schemeClr val="bg1"/>
+                  </a:solidFill>
+                  <a:latin typeface="Arial" panose="020B0604020202020204" pitchFamily="34" charset="0"/>
+                  <a:cs typeface="Arial" panose="020B0604020202020204" pitchFamily="34" charset="0"/>
+                </a:rPr>
+                <a:t>sfragkoul</a:t>
+              </a:r>
+            </a:p>
+          </p:txBody>
+        </p:sp>
+        <p:pic>
+          <p:nvPicPr>
+            <p:cNvPr id="24" name="Picture 23">
+              <a:extLst>
+                <a:ext uri="{FF2B5EF4-FFF2-40B4-BE49-F238E27FC236}">
+                  <a16:creationId xmlns:a16="http://schemas.microsoft.com/office/drawing/2014/main" id="{D06022DB-DDA2-4B7E-889D-7C51FBC7727E}"/>
+                </a:ext>
+              </a:extLst>
+            </p:cNvPr>
+            <p:cNvPicPr>
+              <a:picLocks noChangeAspect="1"/>
+            </p:cNvPicPr>
+            <p:nvPr/>
+          </p:nvPicPr>
+          <p:blipFill>
+            <a:blip r:embed="rId17" cstate="print">
+              <a:extLst>
+                <a:ext uri="{28A0092B-C50C-407E-A947-70E740481C1C}">
+                  <a14:useLocalDpi xmlns:a14="http://schemas.microsoft.com/office/drawing/2010/main" val="0"/>
+                </a:ext>
+              </a:extLst>
+            </a:blip>
+            <a:stretch>
+              <a:fillRect/>
+            </a:stretch>
+          </p:blipFill>
+          <p:spPr>
+            <a:xfrm>
+              <a:off x="11134162" y="42258991"/>
+              <a:ext cx="305450" cy="305450"/>
+            </a:xfrm>
+            <a:prstGeom prst="rect">
+              <a:avLst/>
+            </a:prstGeom>
+          </p:spPr>
+        </p:pic>
+        <p:sp>
+          <p:nvSpPr>
+            <p:cNvPr id="49" name="TextBox 48">
+              <a:extLst>
+                <a:ext uri="{FF2B5EF4-FFF2-40B4-BE49-F238E27FC236}">
+                  <a16:creationId xmlns:a16="http://schemas.microsoft.com/office/drawing/2014/main" id="{7ECA3008-2E8F-4CBB-A810-4363879B4929}"/>
+                </a:ext>
+              </a:extLst>
+            </p:cNvPr>
+            <p:cNvSpPr txBox="1"/>
+            <p:nvPr/>
+          </p:nvSpPr>
+          <p:spPr>
+            <a:xfrm>
+              <a:off x="11553635" y="42041107"/>
+              <a:ext cx="2072236" cy="646331"/>
+            </a:xfrm>
+            <a:prstGeom prst="rect">
+              <a:avLst/>
+            </a:prstGeom>
+            <a:noFill/>
+          </p:spPr>
+          <p:txBody>
+            <a:bodyPr wrap="square" rtlCol="0">
+              <a:spAutoFit/>
+            </a:bodyPr>
+            <a:lstStyle/>
+            <a:p>
+              <a:pPr>
+                <a:lnSpc>
+                  <a:spcPct val="150000"/>
+                </a:lnSpc>
+              </a:pPr>
+              <a:r>
+                <a:rPr lang="en-US" sz="2400" b="1" i="1" dirty="0">
+                  <a:solidFill>
+                    <a:schemeClr val="bg1"/>
+                  </a:solidFill>
+                  <a:latin typeface="Arial" panose="020B0604020202020204" pitchFamily="34" charset="0"/>
+                  <a:cs typeface="Arial" panose="020B0604020202020204" pitchFamily="34" charset="0"/>
+                </a:rPr>
+                <a:t>@</a:t>
+              </a:r>
+              <a:r>
+                <a:rPr lang="en-US" sz="2400" b="1" i="1" dirty="0" err="1">
+                  <a:solidFill>
+                    <a:schemeClr val="bg1"/>
+                  </a:solidFill>
+                  <a:latin typeface="Arial" panose="020B0604020202020204" pitchFamily="34" charset="0"/>
+                  <a:cs typeface="Arial" panose="020B0604020202020204" pitchFamily="34" charset="0"/>
+                </a:rPr>
+                <a:t>scfragkoul</a:t>
+              </a:r>
+              <a:endParaRPr lang="en-US" sz="2400" b="1" i="1" dirty="0">
+                <a:solidFill>
+                  <a:schemeClr val="bg1"/>
+                </a:solidFill>
+                <a:latin typeface="Arial" panose="020B0604020202020204" pitchFamily="34" charset="0"/>
+                <a:cs typeface="Arial" panose="020B0604020202020204" pitchFamily="34" charset="0"/>
+              </a:endParaRPr>
+            </a:p>
+          </p:txBody>
+        </p:sp>
       </p:grpSp>
+      <p:pic>
+        <p:nvPicPr>
+          <p:cNvPr id="3" name="Picture 2"/>
+          <p:cNvPicPr>
+            <a:picLocks noChangeAspect="1"/>
+          </p:cNvPicPr>
+          <p:nvPr/>
+        </p:nvPicPr>
+        <p:blipFill>
+          <a:blip r:embed="rId18" cstate="hqprint">
+            <a:biLevel thresh="25000"/>
+            <a:extLst>
+              <a:ext uri="{28A0092B-C50C-407E-A947-70E740481C1C}">
+                <a14:useLocalDpi xmlns:a14="http://schemas.microsoft.com/office/drawing/2010/main" val="0"/>
+              </a:ext>
+            </a:extLst>
+          </a:blip>
+          <a:stretch>
+            <a:fillRect/>
+          </a:stretch>
+        </p:blipFill>
+        <p:spPr>
+          <a:xfrm>
+            <a:off x="3596479" y="40862263"/>
+            <a:ext cx="5996044" cy="2247778"/>
+          </a:xfrm>
+          <a:prstGeom prst="rect">
+            <a:avLst/>
+          </a:prstGeom>
+        </p:spPr>
+      </p:pic>
+      <p:pic>
+        <p:nvPicPr>
+          <p:cNvPr id="12" name="Picture 11"/>
+          <p:cNvPicPr>
+            <a:picLocks noChangeAspect="1"/>
+          </p:cNvPicPr>
+          <p:nvPr/>
+        </p:nvPicPr>
+        <p:blipFill>
+          <a:blip r:embed="rId19">
+            <a:extLst>
+              <a:ext uri="{28A0092B-C50C-407E-A947-70E740481C1C}">
+                <a14:useLocalDpi xmlns:a14="http://schemas.microsoft.com/office/drawing/2010/main" val="0"/>
+              </a:ext>
+            </a:extLst>
+          </a:blip>
+          <a:stretch>
+            <a:fillRect/>
+          </a:stretch>
+        </p:blipFill>
+        <p:spPr>
+          <a:xfrm>
+            <a:off x="9876330" y="41319117"/>
+            <a:ext cx="6850122" cy="1334071"/>
+          </a:xfrm>
+          <a:prstGeom prst="rect">
+            <a:avLst/>
+          </a:prstGeom>
+        </p:spPr>
+      </p:pic>
       <p:sp>
         <p:nvSpPr>
           <p:cNvPr id="62" name="Rectangle 61">
@@ -7258,7 +7243,7 @@
         </p:nvGrpSpPr>
         <p:grpSpPr>
           <a:xfrm>
-            <a:off x="8310158" y="41333171"/>
+            <a:off x="25173787" y="41423360"/>
             <a:ext cx="5043892" cy="1125584"/>
             <a:chOff x="8389799" y="41671189"/>
             <a:chExt cx="4228335" cy="946131"/>

--- a/ISMBECCB2023_1226_Fragkouli_poster.pptx
+++ b/ISMBECCB2023_1226_Fragkouli_poster.pptx
@@ -3931,7 +3931,27 @@
           <a:p>
             <a:pPr algn="ctr"/>
             <a:r>
-              <a:rPr lang="en-US" sz="4001" dirty="0" err="1">
+              <a:rPr lang="en-US" sz="4001" dirty="0" err="1" smtClean="0">
+                <a:solidFill>
+                  <a:schemeClr val="bg1"/>
+                </a:solidFill>
+                <a:latin typeface="Arial" panose="020B0604020202020204" pitchFamily="34" charset="0"/>
+                <a:cs typeface="Arial" panose="020B0604020202020204" pitchFamily="34" charset="0"/>
+              </a:rPr>
+              <a:t>Styliani</a:t>
+            </a:r>
+            <a:r>
+              <a:rPr lang="en-US" sz="4001" dirty="0">
+                <a:solidFill>
+                  <a:schemeClr val="bg1"/>
+                </a:solidFill>
+                <a:latin typeface="Arial" panose="020B0604020202020204" pitchFamily="34" charset="0"/>
+                <a:cs typeface="Arial" panose="020B0604020202020204" pitchFamily="34" charset="0"/>
+              </a:rPr>
+              <a:t>-Christina </a:t>
+            </a:r>
+            <a:r>
+              <a:rPr lang="en-US" sz="4001" dirty="0" smtClean="0">
                 <a:solidFill>
                   <a:schemeClr val="bg1"/>
                 </a:solidFill>
@@ -3941,14 +3961,14 @@
               <a:t>Fragkouli</a:t>
             </a:r>
             <a:r>
-              <a:rPr lang="en-US" sz="4001" dirty="0">
+              <a:rPr lang="en-US" sz="4001" baseline="30000" dirty="0" smtClean="0">
                 <a:solidFill>
                   <a:schemeClr val="bg1"/>
                 </a:solidFill>
                 <a:latin typeface="Arial" panose="020B0604020202020204" pitchFamily="34" charset="0"/>
                 <a:cs typeface="Arial" panose="020B0604020202020204" pitchFamily="34" charset="0"/>
               </a:rPr>
-              <a:t> Styliani-Christina</a:t>
+              <a:t>1</a:t>
             </a:r>
             <a:r>
               <a:rPr lang="en-US" sz="4001" baseline="30000" dirty="0">
@@ -3958,7 +3978,7 @@
                 <a:latin typeface="Arial" panose="020B0604020202020204" pitchFamily="34" charset="0"/>
                 <a:cs typeface="Arial" panose="020B0604020202020204" pitchFamily="34" charset="0"/>
               </a:rPr>
-              <a:t>1,</a:t>
+              <a:t>,</a:t>
             </a:r>
             <a:r>
               <a:rPr lang="el-GR" sz="4001" baseline="30000" dirty="0">
@@ -3991,7 +4011,17 @@
               <a:t>, </a:t>
             </a:r>
             <a:r>
-              <a:rPr lang="en-US" sz="4001" dirty="0" err="1">
+              <a:rPr lang="en-US" sz="4001" dirty="0">
+                <a:solidFill>
+                  <a:schemeClr val="bg1"/>
+                </a:solidFill>
+                <a:latin typeface="Arial" panose="020B0604020202020204" pitchFamily="34" charset="0"/>
+                <a:cs typeface="Arial" panose="020B0604020202020204" pitchFamily="34" charset="0"/>
+              </a:rPr>
+              <a:t>Nikos </a:t>
+            </a:r>
+            <a:r>
+              <a:rPr lang="en-US" sz="4001" dirty="0" smtClean="0">
                 <a:solidFill>
                   <a:schemeClr val="bg1"/>
                 </a:solidFill>
@@ -4001,17 +4031,7 @@
               <a:t>Pechlivanis</a:t>
             </a:r>
             <a:r>
-              <a:rPr lang="en-US" sz="4001" dirty="0">
-                <a:solidFill>
-                  <a:schemeClr val="bg1"/>
-                </a:solidFill>
-                <a:latin typeface="Arial" panose="020B0604020202020204" pitchFamily="34" charset="0"/>
-                <a:cs typeface="Arial" panose="020B0604020202020204" pitchFamily="34" charset="0"/>
-              </a:rPr>
-              <a:t> Nikos</a:t>
-            </a:r>
-            <a:r>
-              <a:rPr lang="en-US" sz="4001" baseline="30000" dirty="0">
+              <a:rPr lang="en-US" sz="4001" baseline="30000" dirty="0" smtClean="0">
                 <a:solidFill>
                   <a:schemeClr val="bg1"/>
                 </a:solidFill>
@@ -4031,7 +4051,17 @@
               <a:t>, </a:t>
             </a:r>
             <a:r>
-              <a:rPr lang="en-US" sz="4001" dirty="0" err="1" smtClean="0">
+              <a:rPr lang="en-US" sz="4001" dirty="0">
+                <a:solidFill>
+                  <a:schemeClr val="bg1"/>
+                </a:solidFill>
+                <a:latin typeface="Arial" panose="020B0604020202020204" pitchFamily="34" charset="0"/>
+                <a:cs typeface="Arial" panose="020B0604020202020204" pitchFamily="34" charset="0"/>
+              </a:rPr>
+              <a:t>Andreas </a:t>
+            </a:r>
+            <a:r>
+              <a:rPr lang="en-US" sz="4001" dirty="0" smtClean="0">
                 <a:solidFill>
                   <a:schemeClr val="bg1"/>
                 </a:solidFill>
@@ -4041,7 +4071,37 @@
               <a:t>Agathangelidis</a:t>
             </a:r>
             <a:r>
+              <a:rPr lang="en-US" sz="4001" baseline="30000" dirty="0" smtClean="0">
+                <a:solidFill>
+                  <a:schemeClr val="bg1"/>
+                </a:solidFill>
+                <a:latin typeface="Arial" panose="020B0604020202020204" pitchFamily="34" charset="0"/>
+                <a:cs typeface="Arial" panose="020B0604020202020204" pitchFamily="34" charset="0"/>
+              </a:rPr>
+              <a:t>2</a:t>
+            </a:r>
+            <a:r>
               <a:rPr lang="en-US" sz="4001" dirty="0" smtClean="0">
+                <a:solidFill>
+                  <a:schemeClr val="bg1"/>
+                </a:solidFill>
+                <a:latin typeface="Arial" panose="020B0604020202020204" pitchFamily="34" charset="0"/>
+                <a:cs typeface="Arial" panose="020B0604020202020204" pitchFamily="34" charset="0"/>
+              </a:rPr>
+              <a:t>, </a:t>
+            </a:r>
+            <a:r>
+              <a:rPr lang="en-US" sz="4001" dirty="0" err="1" smtClean="0">
+                <a:solidFill>
+                  <a:schemeClr val="bg1"/>
+                </a:solidFill>
+                <a:latin typeface="Arial" panose="020B0604020202020204" pitchFamily="34" charset="0"/>
+                <a:cs typeface="Arial" panose="020B0604020202020204" pitchFamily="34" charset="0"/>
+              </a:rPr>
+              <a:t>Fotis</a:t>
+            </a:r>
+            <a:r>
+              <a:rPr lang="en-US" sz="4001">
                 <a:solidFill>
                   <a:schemeClr val="bg1"/>
                 </a:solidFill>
@@ -4051,37 +4111,7 @@
               <a:t> </a:t>
             </a:r>
             <a:r>
-              <a:rPr lang="en-US" sz="4001" dirty="0">
-                <a:solidFill>
-                  <a:schemeClr val="bg1"/>
-                </a:solidFill>
-                <a:latin typeface="Arial" panose="020B0604020202020204" pitchFamily="34" charset="0"/>
-                <a:cs typeface="Arial" panose="020B0604020202020204" pitchFamily="34" charset="0"/>
-              </a:rPr>
-              <a:t>Andreas</a:t>
-            </a:r>
-            <a:r>
-              <a:rPr lang="en-US" sz="4001" baseline="30000" dirty="0">
-                <a:solidFill>
-                  <a:schemeClr val="bg1"/>
-                </a:solidFill>
-                <a:latin typeface="Arial" panose="020B0604020202020204" pitchFamily="34" charset="0"/>
-                <a:cs typeface="Arial" panose="020B0604020202020204" pitchFamily="34" charset="0"/>
-              </a:rPr>
-              <a:t>2</a:t>
-            </a:r>
-            <a:r>
-              <a:rPr lang="en-US" sz="4001" dirty="0">
-                <a:solidFill>
-                  <a:schemeClr val="bg1"/>
-                </a:solidFill>
-                <a:latin typeface="Arial" panose="020B0604020202020204" pitchFamily="34" charset="0"/>
-                <a:cs typeface="Arial" panose="020B0604020202020204" pitchFamily="34" charset="0"/>
-              </a:rPr>
-              <a:t>, </a:t>
-            </a:r>
-            <a:r>
-              <a:rPr lang="en-US" sz="4001" dirty="0" err="1">
+              <a:rPr lang="en-US" sz="4001" smtClean="0">
                 <a:solidFill>
                   <a:schemeClr val="bg1"/>
                 </a:solidFill>
@@ -4091,17 +4121,7 @@
               <a:t>Psomopoulos</a:t>
             </a:r>
             <a:r>
-              <a:rPr lang="en-US" sz="4001" dirty="0">
-                <a:solidFill>
-                  <a:schemeClr val="bg1"/>
-                </a:solidFill>
-                <a:latin typeface="Arial" panose="020B0604020202020204" pitchFamily="34" charset="0"/>
-                <a:cs typeface="Arial" panose="020B0604020202020204" pitchFamily="34" charset="0"/>
-              </a:rPr>
-              <a:t> Fotis</a:t>
-            </a:r>
-            <a:r>
-              <a:rPr lang="en-US" sz="4001" baseline="30000" dirty="0">
+              <a:rPr lang="en-US" sz="4001" baseline="30000" smtClean="0">
                 <a:solidFill>
                   <a:schemeClr val="bg1"/>
                 </a:solidFill>
@@ -4110,6 +4130,13 @@
               </a:rPr>
               <a:t>1</a:t>
             </a:r>
+            <a:endParaRPr lang="en-US" sz="4001" baseline="30000" dirty="0">
+              <a:solidFill>
+                <a:schemeClr val="bg1"/>
+              </a:solidFill>
+              <a:latin typeface="Arial" panose="020B0604020202020204" pitchFamily="34" charset="0"/>
+              <a:cs typeface="Arial" panose="020B0604020202020204" pitchFamily="34" charset="0"/>
+            </a:endParaRPr>
           </a:p>
           <a:p>
             <a:pPr algn="ctr"/>
@@ -5042,7 +5069,7 @@
                 <a14:useLocalDpi xmlns:a14="http://schemas.microsoft.com/office/drawing/2010/main" val="0"/>
               </a:ext>
               <a:ext uri="{96DAC541-7B7A-43D3-8B79-37D633B846F1}">
-                <asvg:svgBlip xmlns:asvg="http://schemas.microsoft.com/office/drawing/2016/SVG/main" xmlns="" r:embed="rId12"/>
+                <asvg:svgBlip xmlns="" xmlns:asvg="http://schemas.microsoft.com/office/drawing/2016/SVG/main" r:embed="rId12"/>
               </a:ext>
             </a:extLst>
           </a:blip>
